--- a/NewPattern.pptx
+++ b/NewPattern.pptx
@@ -2,18 +2,18 @@
 <file path=ppt/presentation.xml><?xml version="1.0" encoding="utf-8"?>
 <p:presentation xmlns:a="http://schemas.openxmlformats.org/drawingml/2006/main" xmlns:r="http://schemas.openxmlformats.org/officeDocument/2006/relationships" xmlns:p="http://schemas.openxmlformats.org/presentationml/2006/main">
   <p:sldMasterIdLst>
-    <p:sldMasterId id="2147483648" r:id="rId5"/>
+    <p:sldMasterId id="2147483648" r:id="rId1"/>
   </p:sldMasterIdLst>
   <p:notesMasterIdLst>
-    <p:notesMasterId r:id="rId7"/>
+    <p:notesMasterId r:id="rId8"/>
   </p:notesMasterIdLst>
   <p:sldIdLst>
-    <p:sldId id="256" r:id="rId8"/>
-    <p:sldId id="257" r:id="rId9"/>
-    <p:sldId id="258" r:id="rId10"/>
-    <p:sldId id="259" r:id="rId11"/>
-    <p:sldId id="260" r:id="rId12"/>
-    <p:sldId id="261" r:id="rId13"/>
+    <p:sldId id="256" r:id="rId2"/>
+    <p:sldId id="257" r:id="rId3"/>
+    <p:sldId id="258" r:id="rId4"/>
+    <p:sldId id="259" r:id="rId5"/>
+    <p:sldId id="260" r:id="rId6"/>
+    <p:sldId id="261" r:id="rId7"/>
   </p:sldIdLst>
   <p:sldSz cx="13004800" cy="9753600"/>
   <p:notesSz cx="6858000" cy="9144000"/>
@@ -33,7 +33,7 @@
       <a:buFontTx/>
       <a:buNone/>
       <a:tabLst/>
-      <a:defRPr b="0" baseline="0" cap="none" i="0" spc="0" strike="noStrike" sz="1800" u="none" kumimoji="0" normalizeH="0">
+      <a:defRPr kumimoji="0" sz="1800" b="0" i="0" u="none" strike="noStrike" cap="none" spc="0" normalizeH="0" baseline="0">
         <a:ln>
           <a:noFill/>
         </a:ln>
@@ -59,7 +59,7 @@
       <a:buFontTx/>
       <a:buNone/>
       <a:tabLst/>
-      <a:defRPr b="0" baseline="0" cap="none" i="0" spc="0" strike="noStrike" sz="2000" u="none" kumimoji="0" normalizeH="0">
+      <a:defRPr kumimoji="0" sz="2000" b="0" i="0" u="none" strike="noStrike" cap="none" spc="0" normalizeH="0" baseline="0">
         <a:ln>
           <a:noFill/>
         </a:ln>
@@ -89,7 +89,7 @@
       <a:buFontTx/>
       <a:buNone/>
       <a:tabLst/>
-      <a:defRPr b="0" baseline="0" cap="none" i="0" spc="0" strike="noStrike" sz="2000" u="none" kumimoji="0" normalizeH="0">
+      <a:defRPr kumimoji="0" sz="2000" b="0" i="0" u="none" strike="noStrike" cap="none" spc="0" normalizeH="0" baseline="0">
         <a:ln>
           <a:noFill/>
         </a:ln>
@@ -119,7 +119,7 @@
       <a:buFontTx/>
       <a:buNone/>
       <a:tabLst/>
-      <a:defRPr b="0" baseline="0" cap="none" i="0" spc="0" strike="noStrike" sz="2000" u="none" kumimoji="0" normalizeH="0">
+      <a:defRPr kumimoji="0" sz="2000" b="0" i="0" u="none" strike="noStrike" cap="none" spc="0" normalizeH="0" baseline="0">
         <a:ln>
           <a:noFill/>
         </a:ln>
@@ -149,7 +149,7 @@
       <a:buFontTx/>
       <a:buNone/>
       <a:tabLst/>
-      <a:defRPr b="0" baseline="0" cap="none" i="0" spc="0" strike="noStrike" sz="2000" u="none" kumimoji="0" normalizeH="0">
+      <a:defRPr kumimoji="0" sz="2000" b="0" i="0" u="none" strike="noStrike" cap="none" spc="0" normalizeH="0" baseline="0">
         <a:ln>
           <a:noFill/>
         </a:ln>
@@ -179,7 +179,7 @@
       <a:buFontTx/>
       <a:buNone/>
       <a:tabLst/>
-      <a:defRPr b="0" baseline="0" cap="none" i="0" spc="0" strike="noStrike" sz="2000" u="none" kumimoji="0" normalizeH="0">
+      <a:defRPr kumimoji="0" sz="2000" b="0" i="0" u="none" strike="noStrike" cap="none" spc="0" normalizeH="0" baseline="0">
         <a:ln>
           <a:noFill/>
         </a:ln>
@@ -209,7 +209,7 @@
       <a:buFontTx/>
       <a:buNone/>
       <a:tabLst/>
-      <a:defRPr b="0" baseline="0" cap="none" i="0" spc="0" strike="noStrike" sz="2000" u="none" kumimoji="0" normalizeH="0">
+      <a:defRPr kumimoji="0" sz="2000" b="0" i="0" u="none" strike="noStrike" cap="none" spc="0" normalizeH="0" baseline="0">
         <a:ln>
           <a:noFill/>
         </a:ln>
@@ -239,7 +239,7 @@
       <a:buFontTx/>
       <a:buNone/>
       <a:tabLst/>
-      <a:defRPr b="0" baseline="0" cap="none" i="0" spc="0" strike="noStrike" sz="2000" u="none" kumimoji="0" normalizeH="0">
+      <a:defRPr kumimoji="0" sz="2000" b="0" i="0" u="none" strike="noStrike" cap="none" spc="0" normalizeH="0" baseline="0">
         <a:ln>
           <a:noFill/>
         </a:ln>
@@ -269,7 +269,7 @@
       <a:buFontTx/>
       <a:buNone/>
       <a:tabLst/>
-      <a:defRPr b="0" baseline="0" cap="none" i="0" spc="0" strike="noStrike" sz="2000" u="none" kumimoji="0" normalizeH="0">
+      <a:defRPr kumimoji="0" sz="2000" b="0" i="0" u="none" strike="noStrike" cap="none" spc="0" normalizeH="0" baseline="0">
         <a:ln>
           <a:noFill/>
         </a:ln>
@@ -299,7 +299,7 @@
       <a:buFontTx/>
       <a:buNone/>
       <a:tabLst/>
-      <a:defRPr b="0" baseline="0" cap="none" i="0" spc="0" strike="noStrike" sz="2000" u="none" kumimoji="0" normalizeH="0">
+      <a:defRPr kumimoji="0" sz="2000" b="0" i="0" u="none" strike="noStrike" cap="none" spc="0" normalizeH="0" baseline="0">
         <a:ln>
           <a:noFill/>
         </a:ln>
@@ -318,13 +318,14 @@
 </p:presentation>
 </file>
 
-<file path=ppt/commentAuthors.xml><?xml version="1.0" encoding="utf-8"?>
-<p:cmAuthorLst xmlns:a="http://schemas.openxmlformats.org/drawingml/2006/main" xmlns:r="http://schemas.openxmlformats.org/officeDocument/2006/relationships" xmlns:p="http://schemas.openxmlformats.org/presentationml/2006/main"/>
-</file>
-
 <file path=ppt/notesMasters/notesMaster1.xml><?xml version="1.0" encoding="utf-8"?>
 <p:notesMaster xmlns:a="http://schemas.openxmlformats.org/drawingml/2006/main" xmlns:r="http://schemas.openxmlformats.org/officeDocument/2006/relationships" xmlns:p="http://schemas.openxmlformats.org/presentationml/2006/main">
   <p:cSld>
+    <p:bg>
+      <p:bgRef idx="1001">
+        <a:schemeClr val="bg1"/>
+      </p:bgRef>
+    </p:bg>
     <p:spTree>
       <p:nvGrpSpPr>
         <p:cNvPr id="1" name=""/>
@@ -342,7 +343,9 @@
       <p:sp>
         <p:nvSpPr>
           <p:cNvPr id="163" name="Shape 163"/>
-          <p:cNvSpPr/>
+          <p:cNvSpPr>
+            <a:spLocks noGrp="1" noRot="1" noChangeAspect="1"/>
+          </p:cNvSpPr>
           <p:nvPr>
             <p:ph type="sldImg"/>
           </p:nvPr>
@@ -360,14 +363,16 @@
           <a:bodyPr/>
           <a:lstStyle/>
           <a:p>
-            <a:pPr/>
+            <a:endParaRPr/>
           </a:p>
         </p:txBody>
       </p:sp>
       <p:sp>
         <p:nvSpPr>
           <p:cNvPr id="164" name="Shape 164"/>
-          <p:cNvSpPr/>
+          <p:cNvSpPr>
+            <a:spLocks noGrp="1"/>
+          </p:cNvSpPr>
           <p:nvPr>
             <p:ph type="body" sz="quarter" idx="1"/>
           </p:nvPr>
@@ -385,11 +390,16 @@
           <a:bodyPr/>
           <a:lstStyle/>
           <a:p>
-            <a:pPr/>
+            <a:endParaRPr/>
           </a:p>
         </p:txBody>
       </p:sp>
     </p:spTree>
+    <p:extLst>
+      <p:ext uri="{BB962C8B-B14F-4D97-AF65-F5344CB8AC3E}">
+        <p14:creationId xmlns:p14="http://schemas.microsoft.com/office/powerpoint/2010/main" val="1651124141"/>
+      </p:ext>
+    </p:extLst>
   </p:cSld>
   <p:clrMap bg1="lt1" tx1="dk1" bg2="lt2" tx2="dk2" accent1="accent1" accent2="accent2" accent3="accent3" accent4="accent4" accent5="accent5" accent6="accent6" hlink="hlink" folHlink="folHlink"/>
   <p:notesStyle>
@@ -497,13 +507,14 @@
 </file>
 
 <file path=ppt/slideLayouts/slideLayout1.xml><?xml version="1.0" encoding="utf-8"?>
-<p:sldLayout xmlns:a="http://schemas.openxmlformats.org/drawingml/2006/main" xmlns:r="http://schemas.openxmlformats.org/officeDocument/2006/relationships" xmlns:p="http://schemas.openxmlformats.org/presentationml/2006/main" type="title" showMasterSp="0" showMasterPhAnim="1">
+<p:sldLayout xmlns:a="http://schemas.openxmlformats.org/drawingml/2006/main" xmlns:r="http://schemas.openxmlformats.org/officeDocument/2006/relationships" xmlns:p="http://schemas.openxmlformats.org/presentationml/2006/main" showMasterSp="0" type="title">
   <p:cSld name="Title &amp; Subtitle">
     <p:bg>
       <p:bgPr>
         <a:solidFill>
           <a:srgbClr val="222222"/>
         </a:solidFill>
+        <a:effectLst/>
       </p:bgPr>
     </p:bg>
     <p:spTree>
@@ -559,13 +570,16 @@
                 <a:sym typeface="Helvetica"/>
               </a:defRPr>
             </a:pPr>
+            <a:endParaRPr/>
           </a:p>
         </p:txBody>
       </p:sp>
       <p:sp>
         <p:nvSpPr>
           <p:cNvPr id="13" name="Shape 13"/>
-          <p:cNvSpPr/>
+          <p:cNvSpPr>
+            <a:spLocks noGrp="1"/>
+          </p:cNvSpPr>
           <p:nvPr>
             <p:ph type="title"/>
           </p:nvPr>
@@ -590,7 +604,6 @@
             </a:lvl1pPr>
           </a:lstStyle>
           <a:p>
-            <a:pPr/>
             <a:r>
               <a:t>Title Text</a:t>
             </a:r>
@@ -600,7 +613,9 @@
       <p:sp>
         <p:nvSpPr>
           <p:cNvPr id="14" name="Shape 14"/>
-          <p:cNvSpPr/>
+          <p:cNvSpPr>
+            <a:spLocks noGrp="1"/>
+          </p:cNvSpPr>
           <p:nvPr>
             <p:ph type="body" sz="quarter" idx="1"/>
           </p:nvPr>
@@ -628,7 +643,7 @@
               <a:buSzTx/>
               <a:buFontTx/>
               <a:buNone/>
-              <a:defRPr cap="all" sz="5400">
+              <a:defRPr sz="5400" cap="all">
                 <a:solidFill>
                   <a:srgbClr val="A6AAA9"/>
                 </a:solidFill>
@@ -649,7 +664,7 @@
               <a:buSzTx/>
               <a:buFontTx/>
               <a:buNone/>
-              <a:defRPr cap="all" sz="5400">
+              <a:defRPr sz="5400" cap="all">
                 <a:solidFill>
                   <a:srgbClr val="A6AAA9"/>
                 </a:solidFill>
@@ -670,7 +685,7 @@
               <a:buSzTx/>
               <a:buFontTx/>
               <a:buNone/>
-              <a:defRPr cap="all" sz="5400">
+              <a:defRPr sz="5400" cap="all">
                 <a:solidFill>
                   <a:srgbClr val="A6AAA9"/>
                 </a:solidFill>
@@ -691,7 +706,7 @@
               <a:buSzTx/>
               <a:buFontTx/>
               <a:buNone/>
-              <a:defRPr cap="all" sz="5400">
+              <a:defRPr sz="5400" cap="all">
                 <a:solidFill>
                   <a:srgbClr val="A6AAA9"/>
                 </a:solidFill>
@@ -712,7 +727,7 @@
               <a:buSzTx/>
               <a:buFontTx/>
               <a:buNone/>
-              <a:defRPr cap="all" sz="5400">
+              <a:defRPr sz="5400" cap="all">
                 <a:solidFill>
                   <a:srgbClr val="A6AAA9"/>
                 </a:solidFill>
@@ -724,7 +739,6 @@
             </a:lvl5pPr>
           </a:lstStyle>
           <a:p>
-            <a:pPr/>
             <a:r>
               <a:t>Body Level One</a:t>
             </a:r>
@@ -758,7 +772,9 @@
       <p:sp>
         <p:nvSpPr>
           <p:cNvPr id="15" name="Shape 15"/>
-          <p:cNvSpPr/>
+          <p:cNvSpPr>
+            <a:spLocks noGrp="1"/>
+          </p:cNvSpPr>
           <p:nvPr>
             <p:ph type="sldNum" sz="quarter" idx="2"/>
           </p:nvPr>
@@ -776,8 +792,10 @@
           <a:bodyPr/>
           <a:lstStyle/>
           <a:p>
-            <a:pPr/>
-            <a:fld id="{86CB4B4D-7CA3-9044-876B-883B54F8677D}" type="slidenum"/>
+            <a:fld id="{86CB4B4D-7CA3-9044-876B-883B54F8677D}" type="slidenum">
+              <a:t>‹#›</a:t>
+            </a:fld>
+            <a:endParaRPr/>
           </a:p>
         </p:txBody>
       </p:sp>
@@ -786,18 +804,19 @@
   <p:clrMapOvr>
     <a:masterClrMapping/>
   </p:clrMapOvr>
-  <p:transition xmlns:p14="http://schemas.microsoft.com/office/powerpoint/2010/main" spd="med" advClick="1"/>
+  <p:transition spd="med"/>
 </p:sldLayout>
 </file>
 
 <file path=ppt/slideLayouts/slideLayout10.xml><?xml version="1.0" encoding="utf-8"?>
-<p:sldLayout xmlns:a="http://schemas.openxmlformats.org/drawingml/2006/main" xmlns:r="http://schemas.openxmlformats.org/officeDocument/2006/relationships" xmlns:p="http://schemas.openxmlformats.org/presentationml/2006/main" type="tx" showMasterSp="1" showMasterPhAnim="1">
+<p:sldLayout xmlns:a="http://schemas.openxmlformats.org/drawingml/2006/main" xmlns:r="http://schemas.openxmlformats.org/officeDocument/2006/relationships" xmlns:p="http://schemas.openxmlformats.org/presentationml/2006/main" type="tx">
   <p:cSld name="Bullets">
     <p:bg>
       <p:bgPr>
         <a:solidFill>
           <a:srgbClr val="222222"/>
         </a:solidFill>
+        <a:effectLst/>
       </p:bgPr>
     </p:bg>
     <p:spTree>
@@ -817,7 +836,9 @@
       <p:sp>
         <p:nvSpPr>
           <p:cNvPr id="102" name="Shape 102"/>
-          <p:cNvSpPr/>
+          <p:cNvSpPr>
+            <a:spLocks noGrp="1"/>
+          </p:cNvSpPr>
           <p:nvPr>
             <p:ph type="body" sz="quarter" idx="13"/>
           </p:nvPr>
@@ -847,7 +868,7 @@
               <a:buSzTx/>
               <a:buFontTx/>
               <a:buNone/>
-              <a:defRPr cap="all" spc="120" sz="2400">
+              <a:defRPr sz="2400" cap="all" spc="120">
                 <a:latin typeface="DIN Alternate"/>
                 <a:ea typeface="DIN Alternate"/>
                 <a:cs typeface="DIN Alternate"/>
@@ -856,7 +877,6 @@
             </a:lvl1pPr>
           </a:lstStyle>
           <a:p>
-            <a:pPr/>
             <a:r>
               <a:t>Text</a:t>
             </a:r>
@@ -866,7 +886,9 @@
       <p:sp>
         <p:nvSpPr>
           <p:cNvPr id="103" name="Shape 103"/>
-          <p:cNvSpPr/>
+          <p:cNvSpPr>
+            <a:spLocks noGrp="1"/>
+          </p:cNvSpPr>
           <p:nvPr>
             <p:ph type="body" idx="1"/>
           </p:nvPr>
@@ -911,7 +933,6 @@
             </a:lvl5pPr>
           </a:lstStyle>
           <a:p>
-            <a:pPr/>
             <a:r>
               <a:t>Body Level One</a:t>
             </a:r>
@@ -945,7 +966,9 @@
       <p:sp>
         <p:nvSpPr>
           <p:cNvPr id="104" name="Shape 104"/>
-          <p:cNvSpPr/>
+          <p:cNvSpPr>
+            <a:spLocks noGrp="1"/>
+          </p:cNvSpPr>
           <p:nvPr>
             <p:ph type="sldNum" sz="quarter" idx="2"/>
           </p:nvPr>
@@ -959,8 +982,10 @@
           <a:bodyPr/>
           <a:lstStyle/>
           <a:p>
-            <a:pPr/>
-            <a:fld id="{86CB4B4D-7CA3-9044-876B-883B54F8677D}" type="slidenum"/>
+            <a:fld id="{86CB4B4D-7CA3-9044-876B-883B54F8677D}" type="slidenum">
+              <a:t>‹#›</a:t>
+            </a:fld>
+            <a:endParaRPr/>
           </a:p>
         </p:txBody>
       </p:sp>
@@ -969,18 +994,19 @@
   <p:clrMapOvr>
     <a:masterClrMapping/>
   </p:clrMapOvr>
-  <p:transition xmlns:p14="http://schemas.microsoft.com/office/powerpoint/2010/main" spd="med" advClick="1"/>
+  <p:transition spd="med"/>
 </p:sldLayout>
 </file>
 
 <file path=ppt/slideLayouts/slideLayout11.xml><?xml version="1.0" encoding="utf-8"?>
-<p:sldLayout xmlns:a="http://schemas.openxmlformats.org/drawingml/2006/main" xmlns:r="http://schemas.openxmlformats.org/officeDocument/2006/relationships" xmlns:p="http://schemas.openxmlformats.org/presentationml/2006/main" type="tx" showMasterSp="0" showMasterPhAnim="1">
+<p:sldLayout xmlns:a="http://schemas.openxmlformats.org/drawingml/2006/main" xmlns:r="http://schemas.openxmlformats.org/officeDocument/2006/relationships" xmlns:p="http://schemas.openxmlformats.org/presentationml/2006/main" showMasterSp="0" type="tx">
   <p:cSld name="Photo - 3 Up">
     <p:bg>
       <p:bgPr>
         <a:solidFill>
           <a:srgbClr val="222222"/>
         </a:solidFill>
+        <a:effectLst/>
       </p:bgPr>
     </p:bg>
     <p:spTree>
@@ -1000,7 +1026,9 @@
       <p:sp>
         <p:nvSpPr>
           <p:cNvPr id="111" name="Shape 111"/>
-          <p:cNvSpPr/>
+          <p:cNvSpPr>
+            <a:spLocks noGrp="1"/>
+          </p:cNvSpPr>
           <p:nvPr>
             <p:ph type="pic" sz="half" idx="13"/>
           </p:nvPr>
@@ -1020,14 +1048,16 @@
           </a:bodyPr>
           <a:lstStyle/>
           <a:p>
-            <a:pPr/>
+            <a:endParaRPr/>
           </a:p>
         </p:txBody>
       </p:sp>
       <p:sp>
         <p:nvSpPr>
           <p:cNvPr id="112" name="Shape 112"/>
-          <p:cNvSpPr/>
+          <p:cNvSpPr>
+            <a:spLocks noGrp="1"/>
+          </p:cNvSpPr>
           <p:nvPr>
             <p:ph type="pic" sz="half" idx="14"/>
           </p:nvPr>
@@ -1047,14 +1077,16 @@
           </a:bodyPr>
           <a:lstStyle/>
           <a:p>
-            <a:pPr/>
+            <a:endParaRPr/>
           </a:p>
         </p:txBody>
       </p:sp>
       <p:sp>
         <p:nvSpPr>
           <p:cNvPr id="113" name="Shape 113"/>
-          <p:cNvSpPr/>
+          <p:cNvSpPr>
+            <a:spLocks noGrp="1"/>
+          </p:cNvSpPr>
           <p:nvPr>
             <p:ph type="pic" idx="15"/>
           </p:nvPr>
@@ -1074,14 +1106,16 @@
           </a:bodyPr>
           <a:lstStyle/>
           <a:p>
-            <a:pPr/>
+            <a:endParaRPr/>
           </a:p>
         </p:txBody>
       </p:sp>
       <p:sp>
         <p:nvSpPr>
           <p:cNvPr id="114" name="Shape 114"/>
-          <p:cNvSpPr/>
+          <p:cNvSpPr>
+            <a:spLocks noGrp="1"/>
+          </p:cNvSpPr>
           <p:nvPr>
             <p:ph type="sldNum" sz="quarter" idx="2"/>
           </p:nvPr>
@@ -1095,8 +1129,10 @@
           <a:bodyPr/>
           <a:lstStyle/>
           <a:p>
-            <a:pPr/>
-            <a:fld id="{86CB4B4D-7CA3-9044-876B-883B54F8677D}" type="slidenum"/>
+            <a:fld id="{86CB4B4D-7CA3-9044-876B-883B54F8677D}" type="slidenum">
+              <a:t>‹#›</a:t>
+            </a:fld>
+            <a:endParaRPr/>
           </a:p>
         </p:txBody>
       </p:sp>
@@ -1105,18 +1141,19 @@
   <p:clrMapOvr>
     <a:masterClrMapping/>
   </p:clrMapOvr>
-  <p:transition xmlns:p14="http://schemas.microsoft.com/office/powerpoint/2010/main" spd="med" advClick="1"/>
+  <p:transition spd="med"/>
 </p:sldLayout>
 </file>
 
 <file path=ppt/slideLayouts/slideLayout12.xml><?xml version="1.0" encoding="utf-8"?>
-<p:sldLayout xmlns:a="http://schemas.openxmlformats.org/drawingml/2006/main" xmlns:r="http://schemas.openxmlformats.org/officeDocument/2006/relationships" xmlns:p="http://schemas.openxmlformats.org/presentationml/2006/main" type="tx" showMasterSp="1" showMasterPhAnim="1">
+<p:sldLayout xmlns:a="http://schemas.openxmlformats.org/drawingml/2006/main" xmlns:r="http://schemas.openxmlformats.org/officeDocument/2006/relationships" xmlns:p="http://schemas.openxmlformats.org/presentationml/2006/main" type="tx">
   <p:cSld name="Quote">
     <p:bg>
       <p:bgPr>
         <a:solidFill>
           <a:srgbClr val="222222"/>
         </a:solidFill>
+        <a:effectLst/>
       </p:bgPr>
     </p:bg>
     <p:spTree>
@@ -1164,7 +1201,7 @@
             </a:cxnLst>
             <a:rect l="0" t="0" r="r" b="b"/>
             <a:pathLst>
-              <a:path w="21600" h="21600" fill="norm" stroke="1" extrusionOk="0">
+              <a:path w="21600" h="21600" extrusionOk="0">
                 <a:moveTo>
                   <a:pt x="224" y="0"/>
                 </a:moveTo>
@@ -1231,7 +1268,7 @@
               <a:spcBef>
                 <a:spcPts val="0"/>
               </a:spcBef>
-              <a:defRPr cap="all" sz="2800">
+              <a:defRPr sz="2800" cap="all">
                 <a:solidFill>
                   <a:srgbClr val="FFFFFF"/>
                 </a:solidFill>
@@ -1241,13 +1278,16 @@
                 <a:sym typeface="DIN Condensed"/>
               </a:defRPr>
             </a:pPr>
+            <a:endParaRPr/>
           </a:p>
         </p:txBody>
       </p:sp>
       <p:sp>
         <p:nvSpPr>
           <p:cNvPr id="122" name="Shape 122"/>
-          <p:cNvSpPr/>
+          <p:cNvSpPr>
+            <a:spLocks noGrp="1"/>
+          </p:cNvSpPr>
           <p:nvPr>
             <p:ph type="body" sz="quarter" idx="13"/>
           </p:nvPr>
@@ -1277,7 +1317,7 @@
               <a:buSzTx/>
               <a:buFontTx/>
               <a:buNone/>
-              <a:defRPr cap="all" sz="9400">
+              <a:defRPr sz="9400" cap="all">
                 <a:solidFill>
                   <a:srgbClr val="FFFFFF"/>
                 </a:solidFill>
@@ -1289,7 +1329,6 @@
             </a:lvl1pPr>
           </a:lstStyle>
           <a:p>
-            <a:pPr/>
             <a:r>
               <a:t>Type a quote here.</a:t>
             </a:r>
@@ -1299,7 +1338,9 @@
       <p:sp>
         <p:nvSpPr>
           <p:cNvPr id="123" name="Shape 123"/>
-          <p:cNvSpPr/>
+          <p:cNvSpPr>
+            <a:spLocks noGrp="1"/>
+          </p:cNvSpPr>
           <p:nvPr>
             <p:ph type="body" sz="quarter" idx="14"/>
           </p:nvPr>
@@ -1338,7 +1379,6 @@
             </a:lvl1pPr>
           </a:lstStyle>
           <a:p>
-            <a:pPr/>
             <a:r>
               <a:t>Johnny Appleseed</a:t>
             </a:r>
@@ -1348,7 +1388,9 @@
       <p:sp>
         <p:nvSpPr>
           <p:cNvPr id="124" name="Shape 124"/>
-          <p:cNvSpPr/>
+          <p:cNvSpPr>
+            <a:spLocks noGrp="1"/>
+          </p:cNvSpPr>
           <p:nvPr>
             <p:ph type="body" sz="quarter" idx="15"/>
           </p:nvPr>
@@ -1378,7 +1420,7 @@
               <a:buSzTx/>
               <a:buFontTx/>
               <a:buNone/>
-              <a:defRPr cap="all" spc="120" sz="2400">
+              <a:defRPr sz="2400" cap="all" spc="120">
                 <a:latin typeface="DIN Alternate"/>
                 <a:ea typeface="DIN Alternate"/>
                 <a:cs typeface="DIN Alternate"/>
@@ -1387,7 +1429,6 @@
             </a:lvl1pPr>
           </a:lstStyle>
           <a:p>
-            <a:pPr/>
             <a:r>
               <a:t>Text</a:t>
             </a:r>
@@ -1397,7 +1438,9 @@
       <p:sp>
         <p:nvSpPr>
           <p:cNvPr id="125" name="Shape 125"/>
-          <p:cNvSpPr/>
+          <p:cNvSpPr>
+            <a:spLocks noGrp="1"/>
+          </p:cNvSpPr>
           <p:nvPr>
             <p:ph type="sldNum" sz="quarter" idx="2"/>
           </p:nvPr>
@@ -1411,8 +1454,10 @@
           <a:bodyPr/>
           <a:lstStyle/>
           <a:p>
-            <a:pPr/>
-            <a:fld id="{86CB4B4D-7CA3-9044-876B-883B54F8677D}" type="slidenum"/>
+            <a:fld id="{86CB4B4D-7CA3-9044-876B-883B54F8677D}" type="slidenum">
+              <a:t>‹#›</a:t>
+            </a:fld>
+            <a:endParaRPr/>
           </a:p>
         </p:txBody>
       </p:sp>
@@ -1421,18 +1466,19 @@
   <p:clrMapOvr>
     <a:masterClrMapping/>
   </p:clrMapOvr>
-  <p:transition xmlns:p14="http://schemas.microsoft.com/office/powerpoint/2010/main" spd="med" advClick="1"/>
+  <p:transition spd="med"/>
 </p:sldLayout>
 </file>
 
 <file path=ppt/slideLayouts/slideLayout13.xml><?xml version="1.0" encoding="utf-8"?>
-<p:sldLayout xmlns:a="http://schemas.openxmlformats.org/drawingml/2006/main" xmlns:r="http://schemas.openxmlformats.org/officeDocument/2006/relationships" xmlns:p="http://schemas.openxmlformats.org/presentationml/2006/main" type="tx" showMasterSp="0" showMasterPhAnim="1">
+<p:sldLayout xmlns:a="http://schemas.openxmlformats.org/drawingml/2006/main" xmlns:r="http://schemas.openxmlformats.org/officeDocument/2006/relationships" xmlns:p="http://schemas.openxmlformats.org/presentationml/2006/main" showMasterSp="0" type="tx">
   <p:cSld name="Quote Alt">
     <p:bg>
       <p:bgPr>
         <a:solidFill>
           <a:schemeClr val="accent1"/>
         </a:solidFill>
+        <a:effectLst/>
       </p:bgPr>
     </p:bg>
     <p:spTree>
@@ -1452,7 +1498,9 @@
       <p:sp>
         <p:nvSpPr>
           <p:cNvPr id="132" name="Shape 132"/>
-          <p:cNvSpPr/>
+          <p:cNvSpPr>
+            <a:spLocks noGrp="1"/>
+          </p:cNvSpPr>
           <p:nvPr>
             <p:ph type="body" sz="quarter" idx="13"/>
           </p:nvPr>
@@ -1482,7 +1530,7 @@
               <a:buSzTx/>
               <a:buFontTx/>
               <a:buNone/>
-              <a:defRPr cap="all" sz="9400">
+              <a:defRPr sz="9400" cap="all">
                 <a:solidFill>
                   <a:srgbClr val="FFFFFF"/>
                 </a:solidFill>
@@ -1494,7 +1542,6 @@
             </a:lvl1pPr>
           </a:lstStyle>
           <a:p>
-            <a:pPr/>
             <a:r>
               <a:t>Type a quote here.</a:t>
             </a:r>
@@ -1504,7 +1551,9 @@
       <p:sp>
         <p:nvSpPr>
           <p:cNvPr id="133" name="Shape 133"/>
-          <p:cNvSpPr/>
+          <p:cNvSpPr>
+            <a:spLocks noGrp="1"/>
+          </p:cNvSpPr>
           <p:nvPr>
             <p:ph type="pic" idx="14"/>
           </p:nvPr>
@@ -1524,14 +1573,16 @@
           </a:bodyPr>
           <a:lstStyle/>
           <a:p>
-            <a:pPr/>
+            <a:endParaRPr/>
           </a:p>
         </p:txBody>
       </p:sp>
       <p:sp>
         <p:nvSpPr>
           <p:cNvPr id="134" name="Shape 134"/>
-          <p:cNvSpPr/>
+          <p:cNvSpPr>
+            <a:spLocks noGrp="1"/>
+          </p:cNvSpPr>
           <p:nvPr>
             <p:ph type="body" sz="quarter" idx="15"/>
           </p:nvPr>
@@ -1570,7 +1621,6 @@
             </a:lvl1pPr>
           </a:lstStyle>
           <a:p>
-            <a:pPr/>
             <a:r>
               <a:t>Johnny Appleseed</a:t>
             </a:r>
@@ -1580,7 +1630,9 @@
       <p:sp>
         <p:nvSpPr>
           <p:cNvPr id="135" name="Shape 135"/>
-          <p:cNvSpPr/>
+          <p:cNvSpPr>
+            <a:spLocks noGrp="1"/>
+          </p:cNvSpPr>
           <p:nvPr>
             <p:ph type="sldNum" sz="quarter" idx="2"/>
           </p:nvPr>
@@ -1594,8 +1646,10 @@
           <a:bodyPr/>
           <a:lstStyle/>
           <a:p>
-            <a:pPr/>
-            <a:fld id="{86CB4B4D-7CA3-9044-876B-883B54F8677D}" type="slidenum"/>
+            <a:fld id="{86CB4B4D-7CA3-9044-876B-883B54F8677D}" type="slidenum">
+              <a:t>‹#›</a:t>
+            </a:fld>
+            <a:endParaRPr/>
           </a:p>
         </p:txBody>
       </p:sp>
@@ -1604,18 +1658,19 @@
   <p:clrMapOvr>
     <a:masterClrMapping/>
   </p:clrMapOvr>
-  <p:transition xmlns:p14="http://schemas.microsoft.com/office/powerpoint/2010/main" spd="med" advClick="1"/>
+  <p:transition spd="med"/>
 </p:sldLayout>
 </file>
 
 <file path=ppt/slideLayouts/slideLayout14.xml><?xml version="1.0" encoding="utf-8"?>
-<p:sldLayout xmlns:a="http://schemas.openxmlformats.org/drawingml/2006/main" xmlns:r="http://schemas.openxmlformats.org/officeDocument/2006/relationships" xmlns:p="http://schemas.openxmlformats.org/presentationml/2006/main" type="tx" showMasterSp="0" showMasterPhAnim="1">
+<p:sldLayout xmlns:a="http://schemas.openxmlformats.org/drawingml/2006/main" xmlns:r="http://schemas.openxmlformats.org/officeDocument/2006/relationships" xmlns:p="http://schemas.openxmlformats.org/presentationml/2006/main" showMasterSp="0" type="tx">
   <p:cSld name="Photo">
     <p:bg>
       <p:bgPr>
         <a:solidFill>
           <a:srgbClr val="222222"/>
         </a:solidFill>
+        <a:effectLst/>
       </p:bgPr>
     </p:bg>
     <p:spTree>
@@ -1635,7 +1690,9 @@
       <p:sp>
         <p:nvSpPr>
           <p:cNvPr id="142" name="Shape 142"/>
-          <p:cNvSpPr/>
+          <p:cNvSpPr>
+            <a:spLocks noGrp="1"/>
+          </p:cNvSpPr>
           <p:nvPr>
             <p:ph type="pic" idx="13"/>
           </p:nvPr>
@@ -1655,14 +1712,16 @@
           </a:bodyPr>
           <a:lstStyle/>
           <a:p>
-            <a:pPr/>
+            <a:endParaRPr/>
           </a:p>
         </p:txBody>
       </p:sp>
       <p:sp>
         <p:nvSpPr>
           <p:cNvPr id="143" name="Shape 143"/>
-          <p:cNvSpPr/>
+          <p:cNvSpPr>
+            <a:spLocks noGrp="1"/>
+          </p:cNvSpPr>
           <p:nvPr>
             <p:ph type="sldNum" sz="quarter" idx="2"/>
           </p:nvPr>
@@ -1676,8 +1735,10 @@
           <a:bodyPr/>
           <a:lstStyle/>
           <a:p>
-            <a:pPr/>
-            <a:fld id="{86CB4B4D-7CA3-9044-876B-883B54F8677D}" type="slidenum"/>
+            <a:fld id="{86CB4B4D-7CA3-9044-876B-883B54F8677D}" type="slidenum">
+              <a:t>‹#›</a:t>
+            </a:fld>
+            <a:endParaRPr/>
           </a:p>
         </p:txBody>
       </p:sp>
@@ -1686,18 +1747,19 @@
   <p:clrMapOvr>
     <a:masterClrMapping/>
   </p:clrMapOvr>
-  <p:transition xmlns:p14="http://schemas.microsoft.com/office/powerpoint/2010/main" spd="med" advClick="1"/>
+  <p:transition spd="med"/>
 </p:sldLayout>
 </file>
 
 <file path=ppt/slideLayouts/slideLayout15.xml><?xml version="1.0" encoding="utf-8"?>
-<p:sldLayout xmlns:a="http://schemas.openxmlformats.org/drawingml/2006/main" xmlns:r="http://schemas.openxmlformats.org/officeDocument/2006/relationships" xmlns:p="http://schemas.openxmlformats.org/presentationml/2006/main" type="tx" showMasterSp="0" showMasterPhAnim="1">
+<p:sldLayout xmlns:a="http://schemas.openxmlformats.org/drawingml/2006/main" xmlns:r="http://schemas.openxmlformats.org/officeDocument/2006/relationships" xmlns:p="http://schemas.openxmlformats.org/presentationml/2006/main" showMasterSp="0" type="tx">
   <p:cSld name="Blank">
     <p:bg>
       <p:bgPr>
         <a:solidFill>
           <a:srgbClr val="222222"/>
         </a:solidFill>
+        <a:effectLst/>
       </p:bgPr>
     </p:bg>
     <p:spTree>
@@ -1717,7 +1779,9 @@
       <p:sp>
         <p:nvSpPr>
           <p:cNvPr id="150" name="Shape 150"/>
-          <p:cNvSpPr/>
+          <p:cNvSpPr>
+            <a:spLocks noGrp="1"/>
+          </p:cNvSpPr>
           <p:nvPr>
             <p:ph type="sldNum" sz="quarter" idx="2"/>
           </p:nvPr>
@@ -1731,8 +1795,10 @@
           <a:bodyPr/>
           <a:lstStyle/>
           <a:p>
-            <a:pPr/>
-            <a:fld id="{86CB4B4D-7CA3-9044-876B-883B54F8677D}" type="slidenum"/>
+            <a:fld id="{86CB4B4D-7CA3-9044-876B-883B54F8677D}" type="slidenum">
+              <a:t>‹#›</a:t>
+            </a:fld>
+            <a:endParaRPr/>
           </a:p>
         </p:txBody>
       </p:sp>
@@ -1741,12 +1807,12 @@
   <p:clrMapOvr>
     <a:masterClrMapping/>
   </p:clrMapOvr>
-  <p:transition xmlns:p14="http://schemas.microsoft.com/office/powerpoint/2010/main" spd="med" advClick="1"/>
+  <p:transition spd="med"/>
 </p:sldLayout>
 </file>
 
 <file path=ppt/slideLayouts/slideLayout16.xml><?xml version="1.0" encoding="utf-8"?>
-<p:sldLayout xmlns:a="http://schemas.openxmlformats.org/drawingml/2006/main" xmlns:r="http://schemas.openxmlformats.org/officeDocument/2006/relationships" xmlns:p="http://schemas.openxmlformats.org/presentationml/2006/main" type="tx" showMasterSp="0" showMasterPhAnim="1">
+<p:sldLayout xmlns:a="http://schemas.openxmlformats.org/drawingml/2006/main" xmlns:r="http://schemas.openxmlformats.org/officeDocument/2006/relationships" xmlns:p="http://schemas.openxmlformats.org/presentationml/2006/main" showMasterSp="0" type="tx">
   <p:cSld name="Blank Alt">
     <p:spTree>
       <p:nvGrpSpPr>
@@ -1765,7 +1831,9 @@
       <p:sp>
         <p:nvSpPr>
           <p:cNvPr id="157" name="Shape 157"/>
-          <p:cNvSpPr/>
+          <p:cNvSpPr>
+            <a:spLocks noGrp="1"/>
+          </p:cNvSpPr>
           <p:nvPr>
             <p:ph type="sldNum" sz="quarter" idx="2"/>
           </p:nvPr>
@@ -1779,8 +1847,10 @@
           <a:bodyPr/>
           <a:lstStyle/>
           <a:p>
-            <a:pPr/>
-            <a:fld id="{86CB4B4D-7CA3-9044-876B-883B54F8677D}" type="slidenum"/>
+            <a:fld id="{86CB4B4D-7CA3-9044-876B-883B54F8677D}" type="slidenum">
+              <a:t>‹#›</a:t>
+            </a:fld>
+            <a:endParaRPr/>
           </a:p>
         </p:txBody>
       </p:sp>
@@ -1789,18 +1859,19 @@
   <p:clrMapOvr>
     <a:masterClrMapping/>
   </p:clrMapOvr>
-  <p:transition xmlns:p14="http://schemas.microsoft.com/office/powerpoint/2010/main" spd="med" advClick="1"/>
+  <p:transition spd="med"/>
 </p:sldLayout>
 </file>
 
 <file path=ppt/slideLayouts/slideLayout2.xml><?xml version="1.0" encoding="utf-8"?>
-<p:sldLayout xmlns:a="http://schemas.openxmlformats.org/drawingml/2006/main" xmlns:r="http://schemas.openxmlformats.org/officeDocument/2006/relationships" xmlns:p="http://schemas.openxmlformats.org/presentationml/2006/main" type="tx" showMasterSp="0" showMasterPhAnim="1">
+<p:sldLayout xmlns:a="http://schemas.openxmlformats.org/drawingml/2006/main" xmlns:r="http://schemas.openxmlformats.org/officeDocument/2006/relationships" xmlns:p="http://schemas.openxmlformats.org/presentationml/2006/main" showMasterSp="0" type="tx">
   <p:cSld name="Photo - Horizontal">
     <p:bg>
       <p:bgPr>
         <a:solidFill>
           <a:srgbClr val="222222"/>
         </a:solidFill>
+        <a:effectLst/>
       </p:bgPr>
     </p:bg>
     <p:spTree>
@@ -1820,7 +1891,9 @@
       <p:sp>
         <p:nvSpPr>
           <p:cNvPr id="22" name="Shape 22"/>
-          <p:cNvSpPr/>
+          <p:cNvSpPr>
+            <a:spLocks noGrp="1"/>
+          </p:cNvSpPr>
           <p:nvPr>
             <p:ph type="pic" idx="13"/>
           </p:nvPr>
@@ -1840,14 +1913,16 @@
           </a:bodyPr>
           <a:lstStyle/>
           <a:p>
-            <a:pPr/>
+            <a:endParaRPr/>
           </a:p>
         </p:txBody>
       </p:sp>
       <p:sp>
         <p:nvSpPr>
           <p:cNvPr id="23" name="Shape 23"/>
-          <p:cNvSpPr/>
+          <p:cNvSpPr>
+            <a:spLocks noGrp="1"/>
+          </p:cNvSpPr>
           <p:nvPr>
             <p:ph type="body" sz="quarter" idx="14"/>
           </p:nvPr>
@@ -1890,13 +1965,16 @@
                 <a:sym typeface="Helvetica"/>
               </a:defRPr>
             </a:pPr>
+            <a:endParaRPr/>
           </a:p>
         </p:txBody>
       </p:sp>
       <p:sp>
         <p:nvSpPr>
           <p:cNvPr id="24" name="Shape 24"/>
-          <p:cNvSpPr/>
+          <p:cNvSpPr>
+            <a:spLocks noGrp="1"/>
+          </p:cNvSpPr>
           <p:nvPr>
             <p:ph type="title"/>
           </p:nvPr>
@@ -1921,7 +1999,6 @@
             </a:lvl1pPr>
           </a:lstStyle>
           <a:p>
-            <a:pPr/>
             <a:r>
               <a:t>Title Text</a:t>
             </a:r>
@@ -1931,7 +2008,9 @@
       <p:sp>
         <p:nvSpPr>
           <p:cNvPr id="25" name="Shape 25"/>
-          <p:cNvSpPr/>
+          <p:cNvSpPr>
+            <a:spLocks noGrp="1"/>
+          </p:cNvSpPr>
           <p:nvPr>
             <p:ph type="body" sz="quarter" idx="1"/>
           </p:nvPr>
@@ -1959,7 +2038,7 @@
               <a:buSzTx/>
               <a:buFontTx/>
               <a:buNone/>
-              <a:defRPr cap="all" sz="5400">
+              <a:defRPr sz="5400" cap="all">
                 <a:solidFill>
                   <a:srgbClr val="A6AAA9"/>
                 </a:solidFill>
@@ -1980,7 +2059,7 @@
               <a:buSzTx/>
               <a:buFontTx/>
               <a:buNone/>
-              <a:defRPr cap="all" sz="5400">
+              <a:defRPr sz="5400" cap="all">
                 <a:solidFill>
                   <a:srgbClr val="A6AAA9"/>
                 </a:solidFill>
@@ -2001,7 +2080,7 @@
               <a:buSzTx/>
               <a:buFontTx/>
               <a:buNone/>
-              <a:defRPr cap="all" sz="5400">
+              <a:defRPr sz="5400" cap="all">
                 <a:solidFill>
                   <a:srgbClr val="A6AAA9"/>
                 </a:solidFill>
@@ -2022,7 +2101,7 @@
               <a:buSzTx/>
               <a:buFontTx/>
               <a:buNone/>
-              <a:defRPr cap="all" sz="5400">
+              <a:defRPr sz="5400" cap="all">
                 <a:solidFill>
                   <a:srgbClr val="A6AAA9"/>
                 </a:solidFill>
@@ -2043,7 +2122,7 @@
               <a:buSzTx/>
               <a:buFontTx/>
               <a:buNone/>
-              <a:defRPr cap="all" sz="5400">
+              <a:defRPr sz="5400" cap="all">
                 <a:solidFill>
                   <a:srgbClr val="A6AAA9"/>
                 </a:solidFill>
@@ -2055,7 +2134,6 @@
             </a:lvl5pPr>
           </a:lstStyle>
           <a:p>
-            <a:pPr/>
             <a:r>
               <a:t>Body Level One</a:t>
             </a:r>
@@ -2089,7 +2167,9 @@
       <p:sp>
         <p:nvSpPr>
           <p:cNvPr id="26" name="Shape 26"/>
-          <p:cNvSpPr/>
+          <p:cNvSpPr>
+            <a:spLocks noGrp="1"/>
+          </p:cNvSpPr>
           <p:nvPr>
             <p:ph type="sldNum" sz="quarter" idx="2"/>
           </p:nvPr>
@@ -2107,8 +2187,10 @@
           <a:bodyPr/>
           <a:lstStyle/>
           <a:p>
-            <a:pPr/>
-            <a:fld id="{86CB4B4D-7CA3-9044-876B-883B54F8677D}" type="slidenum"/>
+            <a:fld id="{86CB4B4D-7CA3-9044-876B-883B54F8677D}" type="slidenum">
+              <a:t>‹#›</a:t>
+            </a:fld>
+            <a:endParaRPr/>
           </a:p>
         </p:txBody>
       </p:sp>
@@ -2117,12 +2199,12 @@
   <p:clrMapOvr>
     <a:masterClrMapping/>
   </p:clrMapOvr>
-  <p:transition xmlns:p14="http://schemas.microsoft.com/office/powerpoint/2010/main" spd="med" advClick="1"/>
+  <p:transition spd="med"/>
 </p:sldLayout>
 </file>
 
 <file path=ppt/slideLayouts/slideLayout3.xml><?xml version="1.0" encoding="utf-8"?>
-<p:sldLayout xmlns:a="http://schemas.openxmlformats.org/drawingml/2006/main" xmlns:r="http://schemas.openxmlformats.org/officeDocument/2006/relationships" xmlns:p="http://schemas.openxmlformats.org/presentationml/2006/main" type="tx" showMasterSp="0" showMasterPhAnim="1">
+<p:sldLayout xmlns:a="http://schemas.openxmlformats.org/drawingml/2006/main" xmlns:r="http://schemas.openxmlformats.org/officeDocument/2006/relationships" xmlns:p="http://schemas.openxmlformats.org/presentationml/2006/main" showMasterSp="0" type="tx">
   <p:cSld name="Title &amp; Subtitle Alt">
     <p:spTree>
       <p:nvGrpSpPr>
@@ -2177,13 +2259,16 @@
                 <a:sym typeface="Helvetica"/>
               </a:defRPr>
             </a:pPr>
+            <a:endParaRPr/>
           </a:p>
         </p:txBody>
       </p:sp>
       <p:sp>
         <p:nvSpPr>
           <p:cNvPr id="34" name="Shape 34"/>
-          <p:cNvSpPr/>
+          <p:cNvSpPr>
+            <a:spLocks noGrp="1"/>
+          </p:cNvSpPr>
           <p:nvPr>
             <p:ph type="title"/>
           </p:nvPr>
@@ -2208,7 +2293,6 @@
             </a:lvl1pPr>
           </a:lstStyle>
           <a:p>
-            <a:pPr/>
             <a:r>
               <a:t>Title Text</a:t>
             </a:r>
@@ -2218,7 +2302,9 @@
       <p:sp>
         <p:nvSpPr>
           <p:cNvPr id="35" name="Shape 35"/>
-          <p:cNvSpPr/>
+          <p:cNvSpPr>
+            <a:spLocks noGrp="1"/>
+          </p:cNvSpPr>
           <p:nvPr>
             <p:ph type="body" sz="quarter" idx="1"/>
           </p:nvPr>
@@ -2246,7 +2332,7 @@
               <a:buSzTx/>
               <a:buFontTx/>
               <a:buNone/>
-              <a:defRPr cap="all" sz="5400">
+              <a:defRPr sz="5400" cap="all">
                 <a:solidFill>
                   <a:srgbClr val="A6AAA9"/>
                 </a:solidFill>
@@ -2267,7 +2353,7 @@
               <a:buSzTx/>
               <a:buFontTx/>
               <a:buNone/>
-              <a:defRPr cap="all" sz="5400">
+              <a:defRPr sz="5400" cap="all">
                 <a:solidFill>
                   <a:srgbClr val="A6AAA9"/>
                 </a:solidFill>
@@ -2288,7 +2374,7 @@
               <a:buSzTx/>
               <a:buFontTx/>
               <a:buNone/>
-              <a:defRPr cap="all" sz="5400">
+              <a:defRPr sz="5400" cap="all">
                 <a:solidFill>
                   <a:srgbClr val="A6AAA9"/>
                 </a:solidFill>
@@ -2309,7 +2395,7 @@
               <a:buSzTx/>
               <a:buFontTx/>
               <a:buNone/>
-              <a:defRPr cap="all" sz="5400">
+              <a:defRPr sz="5400" cap="all">
                 <a:solidFill>
                   <a:srgbClr val="A6AAA9"/>
                 </a:solidFill>
@@ -2330,7 +2416,7 @@
               <a:buSzTx/>
               <a:buFontTx/>
               <a:buNone/>
-              <a:defRPr cap="all" sz="5400">
+              <a:defRPr sz="5400" cap="all">
                 <a:solidFill>
                   <a:srgbClr val="A6AAA9"/>
                 </a:solidFill>
@@ -2342,7 +2428,6 @@
             </a:lvl5pPr>
           </a:lstStyle>
           <a:p>
-            <a:pPr/>
             <a:r>
               <a:t>Body Level One</a:t>
             </a:r>
@@ -2376,7 +2461,9 @@
       <p:sp>
         <p:nvSpPr>
           <p:cNvPr id="36" name="Shape 36"/>
-          <p:cNvSpPr/>
+          <p:cNvSpPr>
+            <a:spLocks noGrp="1"/>
+          </p:cNvSpPr>
           <p:nvPr>
             <p:ph type="sldNum" sz="quarter" idx="2"/>
           </p:nvPr>
@@ -2394,8 +2481,10 @@
           <a:bodyPr/>
           <a:lstStyle/>
           <a:p>
-            <a:pPr/>
-            <a:fld id="{86CB4B4D-7CA3-9044-876B-883B54F8677D}" type="slidenum"/>
+            <a:fld id="{86CB4B4D-7CA3-9044-876B-883B54F8677D}" type="slidenum">
+              <a:t>‹#›</a:t>
+            </a:fld>
+            <a:endParaRPr/>
           </a:p>
         </p:txBody>
       </p:sp>
@@ -2404,18 +2493,19 @@
   <p:clrMapOvr>
     <a:masterClrMapping/>
   </p:clrMapOvr>
-  <p:transition xmlns:p14="http://schemas.microsoft.com/office/powerpoint/2010/main" spd="med" advClick="1"/>
+  <p:transition spd="med"/>
 </p:sldLayout>
 </file>
 
 <file path=ppt/slideLayouts/slideLayout4.xml><?xml version="1.0" encoding="utf-8"?>
-<p:sldLayout xmlns:a="http://schemas.openxmlformats.org/drawingml/2006/main" xmlns:r="http://schemas.openxmlformats.org/officeDocument/2006/relationships" xmlns:p="http://schemas.openxmlformats.org/presentationml/2006/main" type="tx" showMasterSp="0" showMasterPhAnim="1">
+<p:sldLayout xmlns:a="http://schemas.openxmlformats.org/drawingml/2006/main" xmlns:r="http://schemas.openxmlformats.org/officeDocument/2006/relationships" xmlns:p="http://schemas.openxmlformats.org/presentationml/2006/main" showMasterSp="0" type="tx">
   <p:cSld name="Title - Center">
     <p:bg>
       <p:bgPr>
         <a:solidFill>
           <a:srgbClr val="222222"/>
         </a:solidFill>
+        <a:effectLst/>
       </p:bgPr>
     </p:bg>
     <p:spTree>
@@ -2435,7 +2525,9 @@
       <p:sp>
         <p:nvSpPr>
           <p:cNvPr id="43" name="Shape 43"/>
-          <p:cNvSpPr/>
+          <p:cNvSpPr>
+            <a:spLocks noGrp="1"/>
+          </p:cNvSpPr>
           <p:nvPr>
             <p:ph type="title"/>
           </p:nvPr>
@@ -2460,7 +2552,6 @@
             </a:lvl1pPr>
           </a:lstStyle>
           <a:p>
-            <a:pPr/>
             <a:r>
               <a:t>Title Text</a:t>
             </a:r>
@@ -2470,7 +2561,9 @@
       <p:sp>
         <p:nvSpPr>
           <p:cNvPr id="44" name="Shape 44"/>
-          <p:cNvSpPr/>
+          <p:cNvSpPr>
+            <a:spLocks noGrp="1"/>
+          </p:cNvSpPr>
           <p:nvPr>
             <p:ph type="sldNum" sz="quarter" idx="2"/>
           </p:nvPr>
@@ -2488,8 +2581,10 @@
           <a:bodyPr/>
           <a:lstStyle/>
           <a:p>
-            <a:pPr/>
-            <a:fld id="{86CB4B4D-7CA3-9044-876B-883B54F8677D}" type="slidenum"/>
+            <a:fld id="{86CB4B4D-7CA3-9044-876B-883B54F8677D}" type="slidenum">
+              <a:t>‹#›</a:t>
+            </a:fld>
+            <a:endParaRPr/>
           </a:p>
         </p:txBody>
       </p:sp>
@@ -2498,18 +2593,19 @@
   <p:clrMapOvr>
     <a:masterClrMapping/>
   </p:clrMapOvr>
-  <p:transition xmlns:p14="http://schemas.microsoft.com/office/powerpoint/2010/main" spd="med" advClick="1"/>
+  <p:transition spd="med"/>
 </p:sldLayout>
 </file>
 
 <file path=ppt/slideLayouts/slideLayout5.xml><?xml version="1.0" encoding="utf-8"?>
-<p:sldLayout xmlns:a="http://schemas.openxmlformats.org/drawingml/2006/main" xmlns:r="http://schemas.openxmlformats.org/officeDocument/2006/relationships" xmlns:p="http://schemas.openxmlformats.org/presentationml/2006/main" type="tx" showMasterSp="0" showMasterPhAnim="1">
+<p:sldLayout xmlns:a="http://schemas.openxmlformats.org/drawingml/2006/main" xmlns:r="http://schemas.openxmlformats.org/officeDocument/2006/relationships" xmlns:p="http://schemas.openxmlformats.org/presentationml/2006/main" showMasterSp="0" type="tx">
   <p:cSld name="Photo - Vertical">
     <p:bg>
       <p:bgPr>
         <a:solidFill>
           <a:srgbClr val="222222"/>
         </a:solidFill>
+        <a:effectLst/>
       </p:bgPr>
     </p:bg>
     <p:spTree>
@@ -2565,13 +2661,16 @@
                 <a:sym typeface="Helvetica"/>
               </a:defRPr>
             </a:pPr>
+            <a:endParaRPr/>
           </a:p>
         </p:txBody>
       </p:sp>
       <p:sp>
         <p:nvSpPr>
           <p:cNvPr id="52" name="Shape 52"/>
-          <p:cNvSpPr/>
+          <p:cNvSpPr>
+            <a:spLocks noGrp="1"/>
+          </p:cNvSpPr>
           <p:nvPr>
             <p:ph type="pic" idx="13"/>
           </p:nvPr>
@@ -2591,14 +2690,16 @@
           </a:bodyPr>
           <a:lstStyle/>
           <a:p>
-            <a:pPr/>
+            <a:endParaRPr/>
           </a:p>
         </p:txBody>
       </p:sp>
       <p:sp>
         <p:nvSpPr>
           <p:cNvPr id="53" name="Shape 53"/>
-          <p:cNvSpPr/>
+          <p:cNvSpPr>
+            <a:spLocks noGrp="1"/>
+          </p:cNvSpPr>
           <p:nvPr>
             <p:ph type="title"/>
           </p:nvPr>
@@ -2623,7 +2724,6 @@
             </a:lvl1pPr>
           </a:lstStyle>
           <a:p>
-            <a:pPr/>
             <a:r>
               <a:t>Title Text</a:t>
             </a:r>
@@ -2633,7 +2733,9 @@
       <p:sp>
         <p:nvSpPr>
           <p:cNvPr id="54" name="Shape 54"/>
-          <p:cNvSpPr/>
+          <p:cNvSpPr>
+            <a:spLocks noGrp="1"/>
+          </p:cNvSpPr>
           <p:nvPr>
             <p:ph type="body" sz="quarter" idx="1"/>
           </p:nvPr>
@@ -2661,7 +2763,7 @@
               <a:buSzTx/>
               <a:buFontTx/>
               <a:buNone/>
-              <a:defRPr cap="all" sz="5400">
+              <a:defRPr sz="5400" cap="all">
                 <a:solidFill>
                   <a:srgbClr val="A6AAA9"/>
                 </a:solidFill>
@@ -2682,7 +2784,7 @@
               <a:buSzTx/>
               <a:buFontTx/>
               <a:buNone/>
-              <a:defRPr cap="all" sz="5400">
+              <a:defRPr sz="5400" cap="all">
                 <a:solidFill>
                   <a:srgbClr val="A6AAA9"/>
                 </a:solidFill>
@@ -2703,7 +2805,7 @@
               <a:buSzTx/>
               <a:buFontTx/>
               <a:buNone/>
-              <a:defRPr cap="all" sz="5400">
+              <a:defRPr sz="5400" cap="all">
                 <a:solidFill>
                   <a:srgbClr val="A6AAA9"/>
                 </a:solidFill>
@@ -2724,7 +2826,7 @@
               <a:buSzTx/>
               <a:buFontTx/>
               <a:buNone/>
-              <a:defRPr cap="all" sz="5400">
+              <a:defRPr sz="5400" cap="all">
                 <a:solidFill>
                   <a:srgbClr val="A6AAA9"/>
                 </a:solidFill>
@@ -2745,7 +2847,7 @@
               <a:buSzTx/>
               <a:buFontTx/>
               <a:buNone/>
-              <a:defRPr cap="all" sz="5400">
+              <a:defRPr sz="5400" cap="all">
                 <a:solidFill>
                   <a:srgbClr val="A6AAA9"/>
                 </a:solidFill>
@@ -2757,7 +2859,6 @@
             </a:lvl5pPr>
           </a:lstStyle>
           <a:p>
-            <a:pPr/>
             <a:r>
               <a:t>Body Level One</a:t>
             </a:r>
@@ -2791,7 +2892,9 @@
       <p:sp>
         <p:nvSpPr>
           <p:cNvPr id="55" name="Shape 55"/>
-          <p:cNvSpPr/>
+          <p:cNvSpPr>
+            <a:spLocks noGrp="1"/>
+          </p:cNvSpPr>
           <p:nvPr>
             <p:ph type="sldNum" sz="quarter" idx="2"/>
           </p:nvPr>
@@ -2809,8 +2912,10 @@
           <a:bodyPr/>
           <a:lstStyle/>
           <a:p>
-            <a:pPr/>
-            <a:fld id="{86CB4B4D-7CA3-9044-876B-883B54F8677D}" type="slidenum"/>
+            <a:fld id="{86CB4B4D-7CA3-9044-876B-883B54F8677D}" type="slidenum">
+              <a:t>‹#›</a:t>
+            </a:fld>
+            <a:endParaRPr/>
           </a:p>
         </p:txBody>
       </p:sp>
@@ -2819,12 +2924,12 @@
   <p:clrMapOvr>
     <a:masterClrMapping/>
   </p:clrMapOvr>
-  <p:transition xmlns:p14="http://schemas.microsoft.com/office/powerpoint/2010/main" spd="med" advClick="1"/>
+  <p:transition spd="med"/>
 </p:sldLayout>
 </file>
 
 <file path=ppt/slideLayouts/slideLayout6.xml><?xml version="1.0" encoding="utf-8"?>
-<p:sldLayout xmlns:a="http://schemas.openxmlformats.org/drawingml/2006/main" xmlns:r="http://schemas.openxmlformats.org/officeDocument/2006/relationships" xmlns:p="http://schemas.openxmlformats.org/presentationml/2006/main" type="tx" showMasterSp="1" showMasterPhAnim="1">
+<p:sldLayout xmlns:a="http://schemas.openxmlformats.org/drawingml/2006/main" xmlns:r="http://schemas.openxmlformats.org/officeDocument/2006/relationships" xmlns:p="http://schemas.openxmlformats.org/presentationml/2006/main" type="tx">
   <p:cSld name="Title - Top">
     <p:spTree>
       <p:nvGrpSpPr>
@@ -2843,7 +2948,9 @@
       <p:sp>
         <p:nvSpPr>
           <p:cNvPr id="62" name="Shape 62"/>
-          <p:cNvSpPr/>
+          <p:cNvSpPr>
+            <a:spLocks noGrp="1"/>
+          </p:cNvSpPr>
           <p:nvPr>
             <p:ph type="body" sz="quarter" idx="13"/>
           </p:nvPr>
@@ -2873,7 +2980,7 @@
               <a:buSzTx/>
               <a:buFontTx/>
               <a:buNone/>
-              <a:defRPr cap="all" spc="120" sz="2400">
+              <a:defRPr sz="2400" cap="all" spc="120">
                 <a:latin typeface="DIN Alternate"/>
                 <a:ea typeface="DIN Alternate"/>
                 <a:cs typeface="DIN Alternate"/>
@@ -2882,7 +2989,6 @@
             </a:lvl1pPr>
           </a:lstStyle>
           <a:p>
-            <a:pPr/>
             <a:r>
               <a:t>Text</a:t>
             </a:r>
@@ -2892,7 +2998,9 @@
       <p:sp>
         <p:nvSpPr>
           <p:cNvPr id="63" name="Shape 63"/>
-          <p:cNvSpPr/>
+          <p:cNvSpPr>
+            <a:spLocks noGrp="1"/>
+          </p:cNvSpPr>
           <p:nvPr>
             <p:ph type="title"/>
           </p:nvPr>
@@ -2906,7 +3014,6 @@
           <a:bodyPr/>
           <a:lstStyle/>
           <a:p>
-            <a:pPr/>
             <a:r>
               <a:t>Title Text</a:t>
             </a:r>
@@ -2916,7 +3023,9 @@
       <p:sp>
         <p:nvSpPr>
           <p:cNvPr id="64" name="Shape 64"/>
-          <p:cNvSpPr/>
+          <p:cNvSpPr>
+            <a:spLocks noGrp="1"/>
+          </p:cNvSpPr>
           <p:nvPr>
             <p:ph type="sldNum" sz="quarter" idx="2"/>
           </p:nvPr>
@@ -2930,8 +3039,10 @@
           <a:bodyPr/>
           <a:lstStyle/>
           <a:p>
-            <a:pPr/>
-            <a:fld id="{86CB4B4D-7CA3-9044-876B-883B54F8677D}" type="slidenum"/>
+            <a:fld id="{86CB4B4D-7CA3-9044-876B-883B54F8677D}" type="slidenum">
+              <a:t>‹#›</a:t>
+            </a:fld>
+            <a:endParaRPr/>
           </a:p>
         </p:txBody>
       </p:sp>
@@ -2940,18 +3051,19 @@
   <p:clrMapOvr>
     <a:masterClrMapping/>
   </p:clrMapOvr>
-  <p:transition xmlns:p14="http://schemas.microsoft.com/office/powerpoint/2010/main" spd="med" advClick="1"/>
+  <p:transition spd="med"/>
 </p:sldLayout>
 </file>
 
 <file path=ppt/slideLayouts/slideLayout7.xml><?xml version="1.0" encoding="utf-8"?>
-<p:sldLayout xmlns:a="http://schemas.openxmlformats.org/drawingml/2006/main" xmlns:r="http://schemas.openxmlformats.org/officeDocument/2006/relationships" xmlns:p="http://schemas.openxmlformats.org/presentationml/2006/main" type="tx" showMasterSp="1" showMasterPhAnim="1">
+<p:sldLayout xmlns:a="http://schemas.openxmlformats.org/drawingml/2006/main" xmlns:r="http://schemas.openxmlformats.org/officeDocument/2006/relationships" xmlns:p="http://schemas.openxmlformats.org/presentationml/2006/main" type="tx">
   <p:cSld name="Title &amp; Bullets">
     <p:bg>
       <p:bgPr>
         <a:solidFill>
           <a:srgbClr val="222222"/>
         </a:solidFill>
+        <a:effectLst/>
       </p:bgPr>
     </p:bg>
     <p:spTree>
@@ -2971,7 +3083,9 @@
       <p:sp>
         <p:nvSpPr>
           <p:cNvPr id="71" name="Shape 71"/>
-          <p:cNvSpPr/>
+          <p:cNvSpPr>
+            <a:spLocks noGrp="1"/>
+          </p:cNvSpPr>
           <p:nvPr>
             <p:ph type="body" sz="quarter" idx="13"/>
           </p:nvPr>
@@ -3001,7 +3115,7 @@
               <a:buSzTx/>
               <a:buFontTx/>
               <a:buNone/>
-              <a:defRPr cap="all" spc="120" sz="2400">
+              <a:defRPr sz="2400" cap="all" spc="120">
                 <a:latin typeface="DIN Alternate"/>
                 <a:ea typeface="DIN Alternate"/>
                 <a:cs typeface="DIN Alternate"/>
@@ -3010,7 +3124,6 @@
             </a:lvl1pPr>
           </a:lstStyle>
           <a:p>
-            <a:pPr/>
             <a:r>
               <a:t>Text</a:t>
             </a:r>
@@ -3020,7 +3133,9 @@
       <p:sp>
         <p:nvSpPr>
           <p:cNvPr id="72" name="Shape 72"/>
-          <p:cNvSpPr/>
+          <p:cNvSpPr>
+            <a:spLocks noGrp="1"/>
+          </p:cNvSpPr>
           <p:nvPr>
             <p:ph type="title"/>
           </p:nvPr>
@@ -3034,7 +3149,6 @@
           <a:bodyPr/>
           <a:lstStyle/>
           <a:p>
-            <a:pPr/>
             <a:r>
               <a:t>Title Text</a:t>
             </a:r>
@@ -3044,7 +3158,9 @@
       <p:sp>
         <p:nvSpPr>
           <p:cNvPr id="73" name="Shape 73"/>
-          <p:cNvSpPr/>
+          <p:cNvSpPr>
+            <a:spLocks noGrp="1"/>
+          </p:cNvSpPr>
           <p:nvPr>
             <p:ph type="body" idx="1"/>
           </p:nvPr>
@@ -3089,7 +3205,6 @@
             </a:lvl5pPr>
           </a:lstStyle>
           <a:p>
-            <a:pPr/>
             <a:r>
               <a:t>Body Level One</a:t>
             </a:r>
@@ -3123,7 +3238,9 @@
       <p:sp>
         <p:nvSpPr>
           <p:cNvPr id="74" name="Shape 74"/>
-          <p:cNvSpPr/>
+          <p:cNvSpPr>
+            <a:spLocks noGrp="1"/>
+          </p:cNvSpPr>
           <p:nvPr>
             <p:ph type="sldNum" sz="quarter" idx="2"/>
           </p:nvPr>
@@ -3137,8 +3254,10 @@
           <a:bodyPr/>
           <a:lstStyle/>
           <a:p>
-            <a:pPr/>
-            <a:fld id="{86CB4B4D-7CA3-9044-876B-883B54F8677D}" type="slidenum"/>
+            <a:fld id="{86CB4B4D-7CA3-9044-876B-883B54F8677D}" type="slidenum">
+              <a:t>‹#›</a:t>
+            </a:fld>
+            <a:endParaRPr/>
           </a:p>
         </p:txBody>
       </p:sp>
@@ -3147,12 +3266,12 @@
   <p:clrMapOvr>
     <a:masterClrMapping/>
   </p:clrMapOvr>
-  <p:transition xmlns:p14="http://schemas.microsoft.com/office/powerpoint/2010/main" spd="med" advClick="1"/>
+  <p:transition spd="med"/>
 </p:sldLayout>
 </file>
 
 <file path=ppt/slideLayouts/slideLayout8.xml><?xml version="1.0" encoding="utf-8"?>
-<p:sldLayout xmlns:a="http://schemas.openxmlformats.org/drawingml/2006/main" xmlns:r="http://schemas.openxmlformats.org/officeDocument/2006/relationships" xmlns:p="http://schemas.openxmlformats.org/presentationml/2006/main" type="tx" showMasterSp="1" showMasterPhAnim="1">
+<p:sldLayout xmlns:a="http://schemas.openxmlformats.org/drawingml/2006/main" xmlns:r="http://schemas.openxmlformats.org/officeDocument/2006/relationships" xmlns:p="http://schemas.openxmlformats.org/presentationml/2006/main" type="tx">
   <p:cSld name="Title &amp; Bullets Alt">
     <p:spTree>
       <p:nvGrpSpPr>
@@ -3171,7 +3290,9 @@
       <p:sp>
         <p:nvSpPr>
           <p:cNvPr id="81" name="Shape 81"/>
-          <p:cNvSpPr/>
+          <p:cNvSpPr>
+            <a:spLocks noGrp="1"/>
+          </p:cNvSpPr>
           <p:nvPr>
             <p:ph type="body" sz="quarter" idx="13"/>
           </p:nvPr>
@@ -3201,7 +3322,7 @@
               <a:buSzTx/>
               <a:buFontTx/>
               <a:buNone/>
-              <a:defRPr cap="all" spc="120" sz="2400">
+              <a:defRPr sz="2400" cap="all" spc="120">
                 <a:latin typeface="DIN Alternate"/>
                 <a:ea typeface="DIN Alternate"/>
                 <a:cs typeface="DIN Alternate"/>
@@ -3210,7 +3331,6 @@
             </a:lvl1pPr>
           </a:lstStyle>
           <a:p>
-            <a:pPr/>
             <a:r>
               <a:t>Text</a:t>
             </a:r>
@@ -3220,7 +3340,9 @@
       <p:sp>
         <p:nvSpPr>
           <p:cNvPr id="82" name="Shape 82"/>
-          <p:cNvSpPr/>
+          <p:cNvSpPr>
+            <a:spLocks noGrp="1"/>
+          </p:cNvSpPr>
           <p:nvPr>
             <p:ph type="title"/>
           </p:nvPr>
@@ -3234,7 +3356,6 @@
           <a:bodyPr/>
           <a:lstStyle/>
           <a:p>
-            <a:pPr/>
             <a:r>
               <a:t>Title Text</a:t>
             </a:r>
@@ -3244,7 +3365,9 @@
       <p:sp>
         <p:nvSpPr>
           <p:cNvPr id="83" name="Shape 83"/>
-          <p:cNvSpPr/>
+          <p:cNvSpPr>
+            <a:spLocks noGrp="1"/>
+          </p:cNvSpPr>
           <p:nvPr>
             <p:ph type="body" idx="1"/>
           </p:nvPr>
@@ -3289,7 +3412,6 @@
             </a:lvl5pPr>
           </a:lstStyle>
           <a:p>
-            <a:pPr/>
             <a:r>
               <a:t>Body Level One</a:t>
             </a:r>
@@ -3323,7 +3445,9 @@
       <p:sp>
         <p:nvSpPr>
           <p:cNvPr id="84" name="Shape 84"/>
-          <p:cNvSpPr/>
+          <p:cNvSpPr>
+            <a:spLocks noGrp="1"/>
+          </p:cNvSpPr>
           <p:nvPr>
             <p:ph type="sldNum" sz="quarter" idx="2"/>
           </p:nvPr>
@@ -3337,8 +3461,10 @@
           <a:bodyPr/>
           <a:lstStyle/>
           <a:p>
-            <a:pPr/>
-            <a:fld id="{86CB4B4D-7CA3-9044-876B-883B54F8677D}" type="slidenum"/>
+            <a:fld id="{86CB4B4D-7CA3-9044-876B-883B54F8677D}" type="slidenum">
+              <a:t>‹#›</a:t>
+            </a:fld>
+            <a:endParaRPr/>
           </a:p>
         </p:txBody>
       </p:sp>
@@ -3347,18 +3473,19 @@
   <p:clrMapOvr>
     <a:masterClrMapping/>
   </p:clrMapOvr>
-  <p:transition xmlns:p14="http://schemas.microsoft.com/office/powerpoint/2010/main" spd="med" advClick="1"/>
+  <p:transition spd="med"/>
 </p:sldLayout>
 </file>
 
 <file path=ppt/slideLayouts/slideLayout9.xml><?xml version="1.0" encoding="utf-8"?>
-<p:sldLayout xmlns:a="http://schemas.openxmlformats.org/drawingml/2006/main" xmlns:r="http://schemas.openxmlformats.org/officeDocument/2006/relationships" xmlns:p="http://schemas.openxmlformats.org/presentationml/2006/main" type="tx" showMasterSp="1" showMasterPhAnim="1">
+<p:sldLayout xmlns:a="http://schemas.openxmlformats.org/drawingml/2006/main" xmlns:r="http://schemas.openxmlformats.org/officeDocument/2006/relationships" xmlns:p="http://schemas.openxmlformats.org/presentationml/2006/main" type="tx">
   <p:cSld name="Title, Bullets &amp; Photo">
     <p:bg>
       <p:bgPr>
         <a:solidFill>
           <a:srgbClr val="222222"/>
         </a:solidFill>
+        <a:effectLst/>
       </p:bgPr>
     </p:bg>
     <p:spTree>
@@ -3378,7 +3505,9 @@
       <p:sp>
         <p:nvSpPr>
           <p:cNvPr id="91" name="Shape 91"/>
-          <p:cNvSpPr/>
+          <p:cNvSpPr>
+            <a:spLocks noGrp="1"/>
+          </p:cNvSpPr>
           <p:nvPr>
             <p:ph type="body" sz="quarter" idx="13"/>
           </p:nvPr>
@@ -3408,7 +3537,7 @@
               <a:buSzTx/>
               <a:buFontTx/>
               <a:buNone/>
-              <a:defRPr cap="all" spc="120" sz="2400">
+              <a:defRPr sz="2400" cap="all" spc="120">
                 <a:latin typeface="DIN Alternate"/>
                 <a:ea typeface="DIN Alternate"/>
                 <a:cs typeface="DIN Alternate"/>
@@ -3417,7 +3546,6 @@
             </a:lvl1pPr>
           </a:lstStyle>
           <a:p>
-            <a:pPr/>
             <a:r>
               <a:t>Text</a:t>
             </a:r>
@@ -3427,7 +3555,9 @@
       <p:sp>
         <p:nvSpPr>
           <p:cNvPr id="92" name="Shape 92"/>
-          <p:cNvSpPr/>
+          <p:cNvSpPr>
+            <a:spLocks noGrp="1"/>
+          </p:cNvSpPr>
           <p:nvPr>
             <p:ph type="pic" sz="half" idx="14"/>
           </p:nvPr>
@@ -3447,14 +3577,16 @@
           </a:bodyPr>
           <a:lstStyle/>
           <a:p>
-            <a:pPr/>
+            <a:endParaRPr/>
           </a:p>
         </p:txBody>
       </p:sp>
       <p:sp>
         <p:nvSpPr>
           <p:cNvPr id="93" name="Shape 93"/>
-          <p:cNvSpPr/>
+          <p:cNvSpPr>
+            <a:spLocks noGrp="1"/>
+          </p:cNvSpPr>
           <p:nvPr>
             <p:ph type="title"/>
           </p:nvPr>
@@ -3472,7 +3604,6 @@
           <a:bodyPr/>
           <a:lstStyle/>
           <a:p>
-            <a:pPr/>
             <a:r>
               <a:t>Title Text</a:t>
             </a:r>
@@ -3482,7 +3613,9 @@
       <p:sp>
         <p:nvSpPr>
           <p:cNvPr id="94" name="Shape 94"/>
-          <p:cNvSpPr/>
+          <p:cNvSpPr>
+            <a:spLocks noGrp="1"/>
+          </p:cNvSpPr>
           <p:nvPr>
             <p:ph type="body" sz="half" idx="1"/>
           </p:nvPr>
@@ -3536,7 +3669,6 @@
             </a:lvl5pPr>
           </a:lstStyle>
           <a:p>
-            <a:pPr/>
             <a:r>
               <a:t>Body Level One</a:t>
             </a:r>
@@ -3570,7 +3702,9 @@
       <p:sp>
         <p:nvSpPr>
           <p:cNvPr id="95" name="Shape 95"/>
-          <p:cNvSpPr/>
+          <p:cNvSpPr>
+            <a:spLocks noGrp="1"/>
+          </p:cNvSpPr>
           <p:nvPr>
             <p:ph type="sldNum" sz="quarter" idx="2"/>
           </p:nvPr>
@@ -3584,8 +3718,10 @@
           <a:bodyPr/>
           <a:lstStyle/>
           <a:p>
-            <a:pPr/>
-            <a:fld id="{86CB4B4D-7CA3-9044-876B-883B54F8677D}" type="slidenum"/>
+            <a:fld id="{86CB4B4D-7CA3-9044-876B-883B54F8677D}" type="slidenum">
+              <a:t>‹#›</a:t>
+            </a:fld>
+            <a:endParaRPr/>
           </a:p>
         </p:txBody>
       </p:sp>
@@ -3594,7 +3730,7 @@
   <p:clrMapOvr>
     <a:masterClrMapping/>
   </p:clrMapOvr>
-  <p:transition xmlns:p14="http://schemas.microsoft.com/office/powerpoint/2010/main" spd="med" advClick="1"/>
+  <p:transition spd="med"/>
 </p:sldLayout>
 </file>
 
@@ -3606,6 +3742,7 @@
         <a:solidFill>
           <a:srgbClr val="FFFFFF"/>
         </a:solidFill>
+        <a:effectLst/>
       </p:bgPr>
     </p:bg>
     <p:spTree>
@@ -3661,13 +3798,16 @@
                 <a:sym typeface="Helvetica"/>
               </a:defRPr>
             </a:pPr>
+            <a:endParaRPr/>
           </a:p>
         </p:txBody>
       </p:sp>
       <p:sp>
         <p:nvSpPr>
           <p:cNvPr id="3" name="Shape 3"/>
-          <p:cNvSpPr/>
+          <p:cNvSpPr>
+            <a:spLocks noGrp="1"/>
+          </p:cNvSpPr>
           <p:nvPr>
             <p:ph type="title"/>
           </p:nvPr>
@@ -3685,17 +3825,16 @@
           </a:ln>
           <a:extLst>
             <a:ext uri="{C572A759-6A51-4108-AA02-DFA0A04FC94B}">
-              <ma14:wrappingTextBoxFlag xmlns:ma14="http://schemas.microsoft.com/office/mac/drawingml/2011/main" val="1"/>
+              <ma14:wrappingTextBoxFlag xmlns:ma14="http://schemas.microsoft.com/office/mac/drawingml/2011/main" xmlns="" val="1"/>
             </a:ext>
           </a:extLst>
         </p:spPr>
         <p:txBody>
           <a:bodyPr lIns="50800" tIns="50800" rIns="50800" bIns="50800">
-            <a:normAutofit fontScale="100000" lnSpcReduction="0"/>
+            <a:normAutofit/>
           </a:bodyPr>
           <a:lstStyle/>
           <a:p>
-            <a:pPr/>
             <a:r>
               <a:t>Title Text</a:t>
             </a:r>
@@ -3705,7 +3844,9 @@
       <p:sp>
         <p:nvSpPr>
           <p:cNvPr id="4" name="Shape 4"/>
-          <p:cNvSpPr/>
+          <p:cNvSpPr>
+            <a:spLocks noGrp="1"/>
+          </p:cNvSpPr>
           <p:nvPr>
             <p:ph type="body" idx="1"/>
           </p:nvPr>
@@ -3723,17 +3864,16 @@
           </a:ln>
           <a:extLst>
             <a:ext uri="{C572A759-6A51-4108-AA02-DFA0A04FC94B}">
-              <ma14:wrappingTextBoxFlag xmlns:ma14="http://schemas.microsoft.com/office/mac/drawingml/2011/main" val="1"/>
+              <ma14:wrappingTextBoxFlag xmlns:ma14="http://schemas.microsoft.com/office/mac/drawingml/2011/main" xmlns="" val="1"/>
             </a:ext>
           </a:extLst>
         </p:spPr>
         <p:txBody>
           <a:bodyPr lIns="50800" tIns="50800" rIns="50800" bIns="50800">
-            <a:normAutofit fontScale="100000" lnSpcReduction="0"/>
+            <a:normAutofit/>
           </a:bodyPr>
           <a:lstStyle/>
           <a:p>
-            <a:pPr/>
             <a:r>
               <a:t>Body Level One</a:t>
             </a:r>
@@ -3767,7 +3907,9 @@
       <p:sp>
         <p:nvSpPr>
           <p:cNvPr id="5" name="Shape 5"/>
-          <p:cNvSpPr/>
+          <p:cNvSpPr>
+            <a:spLocks noGrp="1"/>
+          </p:cNvSpPr>
           <p:nvPr>
             <p:ph type="sldNum" sz="quarter" idx="2"/>
           </p:nvPr>
@@ -3805,8 +3947,10 @@
             </a:lvl1pPr>
           </a:lstStyle>
           <a:p>
-            <a:pPr/>
-            <a:fld id="{86CB4B4D-7CA3-9044-876B-883B54F8677D}" type="slidenum"/>
+            <a:fld id="{86CB4B4D-7CA3-9044-876B-883B54F8677D}" type="slidenum">
+              <a:t>‹#›</a:t>
+            </a:fld>
+            <a:endParaRPr/>
           </a:p>
         </p:txBody>
       </p:sp>
@@ -3814,24 +3958,24 @@
   </p:cSld>
   <p:clrMap bg1="dk1" tx1="lt1" bg2="dk2" tx2="lt2" accent1="accent1" accent2="accent2" accent3="accent3" accent4="accent4" accent5="accent5" accent6="accent6" hlink="hlink" folHlink="folHlink"/>
   <p:sldLayoutIdLst>
-    <p:sldLayoutId id="2147483649" r:id="rId2"/>
-    <p:sldLayoutId id="2147483650" r:id="rId3"/>
-    <p:sldLayoutId id="2147483651" r:id="rId4"/>
-    <p:sldLayoutId id="2147483652" r:id="rId5"/>
-    <p:sldLayoutId id="2147483653" r:id="rId6"/>
-    <p:sldLayoutId id="2147483654" r:id="rId7"/>
-    <p:sldLayoutId id="2147483655" r:id="rId8"/>
-    <p:sldLayoutId id="2147483656" r:id="rId9"/>
-    <p:sldLayoutId id="2147483657" r:id="rId10"/>
-    <p:sldLayoutId id="2147483658" r:id="rId11"/>
-    <p:sldLayoutId id="2147483659" r:id="rId12"/>
-    <p:sldLayoutId id="2147483660" r:id="rId13"/>
-    <p:sldLayoutId id="2147483661" r:id="rId14"/>
-    <p:sldLayoutId id="2147483662" r:id="rId15"/>
-    <p:sldLayoutId id="2147483663" r:id="rId16"/>
-    <p:sldLayoutId id="2147483664" r:id="rId17"/>
+    <p:sldLayoutId id="2147483649" r:id="rId1"/>
+    <p:sldLayoutId id="2147483650" r:id="rId2"/>
+    <p:sldLayoutId id="2147483651" r:id="rId3"/>
+    <p:sldLayoutId id="2147483652" r:id="rId4"/>
+    <p:sldLayoutId id="2147483653" r:id="rId5"/>
+    <p:sldLayoutId id="2147483654" r:id="rId6"/>
+    <p:sldLayoutId id="2147483655" r:id="rId7"/>
+    <p:sldLayoutId id="2147483656" r:id="rId8"/>
+    <p:sldLayoutId id="2147483657" r:id="rId9"/>
+    <p:sldLayoutId id="2147483658" r:id="rId10"/>
+    <p:sldLayoutId id="2147483659" r:id="rId11"/>
+    <p:sldLayoutId id="2147483660" r:id="rId12"/>
+    <p:sldLayoutId id="2147483661" r:id="rId13"/>
+    <p:sldLayoutId id="2147483662" r:id="rId14"/>
+    <p:sldLayoutId id="2147483663" r:id="rId15"/>
+    <p:sldLayoutId id="2147483664" r:id="rId16"/>
   </p:sldLayoutIdLst>
-  <p:transition xmlns:p14="http://schemas.microsoft.com/office/powerpoint/2010/main" spd="med" advClick="1"/>
+  <p:transition spd="med"/>
   <p:txStyles>
     <p:titleStyle>
       <a:lvl1pPr marL="0" marR="0" indent="0" algn="l" defTabSz="584200" rtl="0" latinLnBrk="0">
@@ -3849,7 +3993,7 @@
         <a:buFontTx/>
         <a:buNone/>
         <a:tabLst/>
-        <a:defRPr b="0" baseline="0" cap="all" i="0" spc="0" strike="noStrike" sz="6000" u="none">
+        <a:defRPr sz="6000" b="0" i="0" u="none" strike="noStrike" cap="all" spc="0" baseline="0">
           <a:ln>
             <a:noFill/>
           </a:ln>
@@ -3878,7 +4022,7 @@
         <a:buFontTx/>
         <a:buNone/>
         <a:tabLst/>
-        <a:defRPr b="0" baseline="0" cap="all" i="0" spc="0" strike="noStrike" sz="6000" u="none">
+        <a:defRPr sz="6000" b="0" i="0" u="none" strike="noStrike" cap="all" spc="0" baseline="0">
           <a:ln>
             <a:noFill/>
           </a:ln>
@@ -3907,7 +4051,7 @@
         <a:buFontTx/>
         <a:buNone/>
         <a:tabLst/>
-        <a:defRPr b="0" baseline="0" cap="all" i="0" spc="0" strike="noStrike" sz="6000" u="none">
+        <a:defRPr sz="6000" b="0" i="0" u="none" strike="noStrike" cap="all" spc="0" baseline="0">
           <a:ln>
             <a:noFill/>
           </a:ln>
@@ -3936,7 +4080,7 @@
         <a:buFontTx/>
         <a:buNone/>
         <a:tabLst/>
-        <a:defRPr b="0" baseline="0" cap="all" i="0" spc="0" strike="noStrike" sz="6000" u="none">
+        <a:defRPr sz="6000" b="0" i="0" u="none" strike="noStrike" cap="all" spc="0" baseline="0">
           <a:ln>
             <a:noFill/>
           </a:ln>
@@ -3965,7 +4109,7 @@
         <a:buFontTx/>
         <a:buNone/>
         <a:tabLst/>
-        <a:defRPr b="0" baseline="0" cap="all" i="0" spc="0" strike="noStrike" sz="6000" u="none">
+        <a:defRPr sz="6000" b="0" i="0" u="none" strike="noStrike" cap="all" spc="0" baseline="0">
           <a:ln>
             <a:noFill/>
           </a:ln>
@@ -3994,7 +4138,7 @@
         <a:buFontTx/>
         <a:buNone/>
         <a:tabLst/>
-        <a:defRPr b="0" baseline="0" cap="all" i="0" spc="0" strike="noStrike" sz="6000" u="none">
+        <a:defRPr sz="6000" b="0" i="0" u="none" strike="noStrike" cap="all" spc="0" baseline="0">
           <a:ln>
             <a:noFill/>
           </a:ln>
@@ -4023,7 +4167,7 @@
         <a:buFontTx/>
         <a:buNone/>
         <a:tabLst/>
-        <a:defRPr b="0" baseline="0" cap="all" i="0" spc="0" strike="noStrike" sz="6000" u="none">
+        <a:defRPr sz="6000" b="0" i="0" u="none" strike="noStrike" cap="all" spc="0" baseline="0">
           <a:ln>
             <a:noFill/>
           </a:ln>
@@ -4052,7 +4196,7 @@
         <a:buFontTx/>
         <a:buNone/>
         <a:tabLst/>
-        <a:defRPr b="0" baseline="0" cap="all" i="0" spc="0" strike="noStrike" sz="6000" u="none">
+        <a:defRPr sz="6000" b="0" i="0" u="none" strike="noStrike" cap="all" spc="0" baseline="0">
           <a:ln>
             <a:noFill/>
           </a:ln>
@@ -4081,7 +4225,7 @@
         <a:buFontTx/>
         <a:buNone/>
         <a:tabLst/>
-        <a:defRPr b="0" baseline="0" cap="all" i="0" spc="0" strike="noStrike" sz="6000" u="none">
+        <a:defRPr sz="6000" b="0" i="0" u="none" strike="noStrike" cap="all" spc="0" baseline="0">
           <a:ln>
             <a:noFill/>
           </a:ln>
@@ -4116,7 +4260,7 @@
         <a:buFont typeface="Avenir Next"/>
         <a:buChar char="‣"/>
         <a:tabLst/>
-        <a:defRPr b="0" baseline="0" cap="none" i="0" spc="0" strike="noStrike" sz="3400" u="none">
+        <a:defRPr sz="3400" b="0" i="0" u="none" strike="noStrike" cap="none" spc="0" baseline="0">
           <a:ln>
             <a:noFill/>
           </a:ln>
@@ -4149,7 +4293,7 @@
         <a:buFont typeface="Avenir Next"/>
         <a:buChar char="‣"/>
         <a:tabLst/>
-        <a:defRPr b="0" baseline="0" cap="none" i="0" spc="0" strike="noStrike" sz="3400" u="none">
+        <a:defRPr sz="3400" b="0" i="0" u="none" strike="noStrike" cap="none" spc="0" baseline="0">
           <a:ln>
             <a:noFill/>
           </a:ln>
@@ -4182,7 +4326,7 @@
         <a:buFont typeface="Avenir Next"/>
         <a:buChar char="‣"/>
         <a:tabLst/>
-        <a:defRPr b="0" baseline="0" cap="none" i="0" spc="0" strike="noStrike" sz="3400" u="none">
+        <a:defRPr sz="3400" b="0" i="0" u="none" strike="noStrike" cap="none" spc="0" baseline="0">
           <a:ln>
             <a:noFill/>
           </a:ln>
@@ -4215,7 +4359,7 @@
         <a:buFont typeface="Avenir Next"/>
         <a:buChar char="‣"/>
         <a:tabLst/>
-        <a:defRPr b="0" baseline="0" cap="none" i="0" spc="0" strike="noStrike" sz="3400" u="none">
+        <a:defRPr sz="3400" b="0" i="0" u="none" strike="noStrike" cap="none" spc="0" baseline="0">
           <a:ln>
             <a:noFill/>
           </a:ln>
@@ -4248,7 +4392,7 @@
         <a:buFont typeface="Avenir Next"/>
         <a:buChar char="‣"/>
         <a:tabLst/>
-        <a:defRPr b="0" baseline="0" cap="none" i="0" spc="0" strike="noStrike" sz="3400" u="none">
+        <a:defRPr sz="3400" b="0" i="0" u="none" strike="noStrike" cap="none" spc="0" baseline="0">
           <a:ln>
             <a:noFill/>
           </a:ln>
@@ -4281,7 +4425,7 @@
         <a:buFont typeface="Avenir Next"/>
         <a:buChar char="‣"/>
         <a:tabLst/>
-        <a:defRPr b="0" baseline="0" cap="none" i="0" spc="0" strike="noStrike" sz="3400" u="none">
+        <a:defRPr sz="3400" b="0" i="0" u="none" strike="noStrike" cap="none" spc="0" baseline="0">
           <a:ln>
             <a:noFill/>
           </a:ln>
@@ -4314,7 +4458,7 @@
         <a:buFont typeface="Avenir Next"/>
         <a:buChar char="‣"/>
         <a:tabLst/>
-        <a:defRPr b="0" baseline="0" cap="none" i="0" spc="0" strike="noStrike" sz="3400" u="none">
+        <a:defRPr sz="3400" b="0" i="0" u="none" strike="noStrike" cap="none" spc="0" baseline="0">
           <a:ln>
             <a:noFill/>
           </a:ln>
@@ -4347,7 +4491,7 @@
         <a:buFont typeface="Avenir Next"/>
         <a:buChar char="‣"/>
         <a:tabLst/>
-        <a:defRPr b="0" baseline="0" cap="none" i="0" spc="0" strike="noStrike" sz="3400" u="none">
+        <a:defRPr sz="3400" b="0" i="0" u="none" strike="noStrike" cap="none" spc="0" baseline="0">
           <a:ln>
             <a:noFill/>
           </a:ln>
@@ -4380,7 +4524,7 @@
         <a:buFont typeface="Avenir Next"/>
         <a:buChar char="‣"/>
         <a:tabLst/>
-        <a:defRPr b="0" baseline="0" cap="none" i="0" spc="0" strike="noStrike" sz="3400" u="none">
+        <a:defRPr sz="3400" b="0" i="0" u="none" strike="noStrike" cap="none" spc="0" baseline="0">
           <a:ln>
             <a:noFill/>
           </a:ln>
@@ -4411,7 +4555,7 @@
         <a:buFontTx/>
         <a:buNone/>
         <a:tabLst/>
-        <a:defRPr b="0" baseline="0" cap="none" i="0" spc="0" strike="noStrike" sz="2400" u="none">
+        <a:defRPr sz="2400" b="0" i="0" u="none" strike="noStrike" cap="none" spc="0" baseline="0">
           <a:ln>
             <a:noFill/>
           </a:ln>
@@ -4440,7 +4584,7 @@
         <a:buFontTx/>
         <a:buNone/>
         <a:tabLst/>
-        <a:defRPr b="0" baseline="0" cap="none" i="0" spc="0" strike="noStrike" sz="2400" u="none">
+        <a:defRPr sz="2400" b="0" i="0" u="none" strike="noStrike" cap="none" spc="0" baseline="0">
           <a:ln>
             <a:noFill/>
           </a:ln>
@@ -4469,7 +4613,7 @@
         <a:buFontTx/>
         <a:buNone/>
         <a:tabLst/>
-        <a:defRPr b="0" baseline="0" cap="none" i="0" spc="0" strike="noStrike" sz="2400" u="none">
+        <a:defRPr sz="2400" b="0" i="0" u="none" strike="noStrike" cap="none" spc="0" baseline="0">
           <a:ln>
             <a:noFill/>
           </a:ln>
@@ -4498,7 +4642,7 @@
         <a:buFontTx/>
         <a:buNone/>
         <a:tabLst/>
-        <a:defRPr b="0" baseline="0" cap="none" i="0" spc="0" strike="noStrike" sz="2400" u="none">
+        <a:defRPr sz="2400" b="0" i="0" u="none" strike="noStrike" cap="none" spc="0" baseline="0">
           <a:ln>
             <a:noFill/>
           </a:ln>
@@ -4527,7 +4671,7 @@
         <a:buFontTx/>
         <a:buNone/>
         <a:tabLst/>
-        <a:defRPr b="0" baseline="0" cap="none" i="0" spc="0" strike="noStrike" sz="2400" u="none">
+        <a:defRPr sz="2400" b="0" i="0" u="none" strike="noStrike" cap="none" spc="0" baseline="0">
           <a:ln>
             <a:noFill/>
           </a:ln>
@@ -4556,7 +4700,7 @@
         <a:buFontTx/>
         <a:buNone/>
         <a:tabLst/>
-        <a:defRPr b="0" baseline="0" cap="none" i="0" spc="0" strike="noStrike" sz="2400" u="none">
+        <a:defRPr sz="2400" b="0" i="0" u="none" strike="noStrike" cap="none" spc="0" baseline="0">
           <a:ln>
             <a:noFill/>
           </a:ln>
@@ -4585,7 +4729,7 @@
         <a:buFontTx/>
         <a:buNone/>
         <a:tabLst/>
-        <a:defRPr b="0" baseline="0" cap="none" i="0" spc="0" strike="noStrike" sz="2400" u="none">
+        <a:defRPr sz="2400" b="0" i="0" u="none" strike="noStrike" cap="none" spc="0" baseline="0">
           <a:ln>
             <a:noFill/>
           </a:ln>
@@ -4614,7 +4758,7 @@
         <a:buFontTx/>
         <a:buNone/>
         <a:tabLst/>
-        <a:defRPr b="0" baseline="0" cap="none" i="0" spc="0" strike="noStrike" sz="2400" u="none">
+        <a:defRPr sz="2400" b="0" i="0" u="none" strike="noStrike" cap="none" spc="0" baseline="0">
           <a:ln>
             <a:noFill/>
           </a:ln>
@@ -4643,7 +4787,7 @@
         <a:buFontTx/>
         <a:buNone/>
         <a:tabLst/>
-        <a:defRPr b="0" baseline="0" cap="none" i="0" spc="0" strike="noStrike" sz="2400" u="none">
+        <a:defRPr sz="2400" b="0" i="0" u="none" strike="noStrike" cap="none" spc="0" baseline="0">
           <a:ln>
             <a:noFill/>
           </a:ln>
@@ -4663,7 +4807,7 @@
 </file>
 
 <file path=ppt/slides/slide1.xml><?xml version="1.0" encoding="utf-8"?>
-<p:sld xmlns:a="http://schemas.openxmlformats.org/drawingml/2006/main" xmlns:r="http://schemas.openxmlformats.org/officeDocument/2006/relationships" xmlns:p="http://schemas.openxmlformats.org/presentationml/2006/main" showMasterSp="1" showMasterPhAnim="1">
+<p:sld xmlns:a="http://schemas.openxmlformats.org/drawingml/2006/main" xmlns:r="http://schemas.openxmlformats.org/officeDocument/2006/relationships" xmlns:p="http://schemas.openxmlformats.org/presentationml/2006/main">
   <p:cSld>
     <p:spTree>
       <p:nvGrpSpPr>
@@ -4682,7 +4826,9 @@
       <p:sp>
         <p:nvSpPr>
           <p:cNvPr id="166" name="Shape 166"/>
-          <p:cNvSpPr/>
+          <p:cNvSpPr>
+            <a:spLocks noGrp="1"/>
+          </p:cNvSpPr>
           <p:nvPr>
             <p:ph type="ctrTitle"/>
           </p:nvPr>
@@ -4696,8 +4842,8 @@
           <a:bodyPr/>
           <a:lstStyle/>
           <a:p>
-            <a:pPr/>
-            <a:r>
+            <a:r>
+              <a:rPr sz="9600" dirty="0"/>
               <a:t>architecture</a:t>
             </a:r>
           </a:p>
@@ -4706,7 +4852,9 @@
       <p:sp>
         <p:nvSpPr>
           <p:cNvPr id="167" name="Shape 167"/>
-          <p:cNvSpPr/>
+          <p:cNvSpPr>
+            <a:spLocks noGrp="1"/>
+          </p:cNvSpPr>
           <p:nvPr>
             <p:ph type="subTitle" sz="quarter" idx="1"/>
           </p:nvPr>
@@ -4720,8 +4868,8 @@
           <a:bodyPr/>
           <a:lstStyle/>
           <a:p>
-            <a:pPr/>
-            <a:r>
+            <a:r>
+              <a:rPr dirty="0"/>
               <a:t>Service-handler-repository</a:t>
             </a:r>
           </a:p>
@@ -4732,12 +4880,19 @@
   <p:clrMapOvr>
     <a:masterClrMapping/>
   </p:clrMapOvr>
-  <p:transition xmlns:p14="http://schemas.microsoft.com/office/powerpoint/2010/main" spd="med" advClick="1"/>
+  <p:transition spd="med"/>
+  <p:timing>
+    <p:tnLst>
+      <p:par>
+        <p:cTn id="1" dur="indefinite" restart="never" nodeType="tmRoot"/>
+      </p:par>
+    </p:tnLst>
+  </p:timing>
 </p:sld>
 </file>
 
 <file path=ppt/slides/slide2.xml><?xml version="1.0" encoding="utf-8"?>
-<p:sld xmlns:a="http://schemas.openxmlformats.org/drawingml/2006/main" xmlns:r="http://schemas.openxmlformats.org/officeDocument/2006/relationships" xmlns:p="http://schemas.openxmlformats.org/presentationml/2006/main" showMasterSp="1" showMasterPhAnim="1">
+<p:sld xmlns:a="http://schemas.openxmlformats.org/drawingml/2006/main" xmlns:r="http://schemas.openxmlformats.org/officeDocument/2006/relationships" xmlns:p="http://schemas.openxmlformats.org/presentationml/2006/main">
   <p:cSld>
     <p:spTree>
       <p:nvGrpSpPr>
@@ -4756,7 +4911,9 @@
       <p:sp>
         <p:nvSpPr>
           <p:cNvPr id="169" name="Shape 169"/>
-          <p:cNvSpPr/>
+          <p:cNvSpPr>
+            <a:spLocks noGrp="1"/>
+          </p:cNvSpPr>
           <p:nvPr>
             <p:ph type="body" idx="13"/>
           </p:nvPr>
@@ -4770,7 +4927,6 @@
           <a:bodyPr/>
           <a:lstStyle/>
           <a:p>
-            <a:pPr/>
             <a:r>
               <a:t>Current state</a:t>
             </a:r>
@@ -4780,7 +4936,9 @@
       <p:sp>
         <p:nvSpPr>
           <p:cNvPr id="170" name="Shape 170"/>
-          <p:cNvSpPr/>
+          <p:cNvSpPr>
+            <a:spLocks noGrp="1"/>
+          </p:cNvSpPr>
           <p:nvPr>
             <p:ph type="title"/>
           </p:nvPr>
@@ -4791,7 +4949,9 @@
           </a:prstGeom>
         </p:spPr>
         <p:txBody>
-          <a:bodyPr/>
+          <a:bodyPr>
+            <a:normAutofit fontScale="90000"/>
+          </a:bodyPr>
           <a:lstStyle>
             <a:lvl1pPr defTabSz="467359">
               <a:spcBef>
@@ -4801,7 +4961,6 @@
             </a:lvl1pPr>
           </a:lstStyle>
           <a:p>
-            <a:pPr/>
             <a:r>
               <a:t>what’s wrong with how we have it now? </a:t>
             </a:r>
@@ -4811,7 +4970,9 @@
       <p:sp>
         <p:nvSpPr>
           <p:cNvPr id="171" name="Shape 171"/>
-          <p:cNvSpPr/>
+          <p:cNvSpPr>
+            <a:spLocks noGrp="1"/>
+          </p:cNvSpPr>
           <p:nvPr>
             <p:ph type="body" idx="1"/>
           </p:nvPr>
@@ -4825,31 +4986,26 @@
           <a:bodyPr/>
           <a:lstStyle/>
           <a:p>
-            <a:pPr/>
             <a:r>
               <a:t>No clear pattern - not always easy to find code </a:t>
             </a:r>
           </a:p>
           <a:p>
-            <a:pPr/>
             <a:r>
               <a:t>No Single Responsibility Principle - huge classes</a:t>
             </a:r>
           </a:p>
           <a:p>
-            <a:pPr/>
             <a:r>
               <a:t>Hard to unit test</a:t>
             </a:r>
           </a:p>
           <a:p>
-            <a:pPr/>
             <a:r>
               <a:t>Lots of if - else if - else if - else if…</a:t>
             </a:r>
           </a:p>
           <a:p>
-            <a:pPr/>
             <a:r>
               <a:t>Not transactional</a:t>
             </a:r>
@@ -4861,14 +5017,14 @@
   <p:clrMapOvr>
     <a:masterClrMapping/>
   </p:clrMapOvr>
-  <p:transition xmlns:p14="http://schemas.microsoft.com/office/powerpoint/2010/main" spd="med" advClick="1" p14:dur="1000"/>
+  <p:transition spd="slow"/>
   <p:timing>
     <p:tnLst>
       <p:par>
-        <p:cTn id="1" nodeType="tmRoot" restart="never" dur="indefinite" fill="hold">
+        <p:cTn id="1" dur="indefinite" restart="never" fill="hold" nodeType="tmRoot">
           <p:childTnLst>
             <p:seq concurrent="1" prevAc="none" nextAc="seek">
-              <p:cTn id="2" nodeType="mainSeq" dur="indefinite" fill="hold">
+              <p:cTn id="2" dur="indefinite" fill="hold" nodeType="mainSeq">
                 <p:childTnLst>
                   <p:par>
                     <p:cTn id="3" fill="hold">
@@ -4883,11 +5039,11 @@
                             </p:stCondLst>
                             <p:childTnLst>
                               <p:par>
-                                <p:cTn id="5" presetClass="entr" nodeType="clickEffect" presetSubtype="0" presetID="1" grpId="1" fill="hold">
+                                <p:cTn id="5" presetID="1" presetClass="entr" presetSubtype="0" fill="hold" grpId="1" nodeType="clickEffect">
                                   <p:stCondLst>
                                     <p:cond delay="0"/>
                                   </p:stCondLst>
-                                  <p:iterate type="el" backwards="0">
+                                  <p:iterate>
                                     <p:tmAbs val="0"/>
                                   </p:iterate>
                                   <p:childTnLst>
@@ -4911,11 +5067,11 @@
                                 </p:cTn>
                               </p:par>
                               <p:par>
-                                <p:cTn id="7" presetClass="entr" nodeType="withEffect" presetSubtype="0" presetID="1" grpId="1" fill="hold">
+                                <p:cTn id="7" presetID="1" presetClass="entr" presetSubtype="0" fill="hold" grpId="1" nodeType="withEffect">
                                   <p:stCondLst>
                                     <p:cond delay="0"/>
                                   </p:stCondLst>
-                                  <p:iterate type="el" backwards="0">
+                                  <p:iterate>
                                     <p:tmAbs val="0"/>
                                   </p:iterate>
                                   <p:childTnLst>
@@ -4959,11 +5115,11 @@
                             </p:stCondLst>
                             <p:childTnLst>
                               <p:par>
-                                <p:cTn id="11" presetClass="entr" nodeType="clickEffect" presetSubtype="0" presetID="1" grpId="1" fill="hold">
+                                <p:cTn id="11" presetID="1" presetClass="entr" presetSubtype="0" fill="hold" grpId="1" nodeType="clickEffect">
                                   <p:stCondLst>
                                     <p:cond delay="0"/>
                                   </p:stCondLst>
-                                  <p:iterate type="el" backwards="0">
+                                  <p:iterate>
                                     <p:tmAbs val="0"/>
                                   </p:iterate>
                                   <p:childTnLst>
@@ -5007,11 +5163,11 @@
                             </p:stCondLst>
                             <p:childTnLst>
                               <p:par>
-                                <p:cTn id="15" presetClass="entr" nodeType="clickEffect" presetSubtype="0" presetID="1" grpId="1" fill="hold">
+                                <p:cTn id="15" presetID="1" presetClass="entr" presetSubtype="0" fill="hold" grpId="1" nodeType="clickEffect">
                                   <p:stCondLst>
                                     <p:cond delay="0"/>
                                   </p:stCondLst>
-                                  <p:iterate type="el" backwards="0">
+                                  <p:iterate>
                                     <p:tmAbs val="0"/>
                                   </p:iterate>
                                   <p:childTnLst>
@@ -5055,11 +5211,11 @@
                             </p:stCondLst>
                             <p:childTnLst>
                               <p:par>
-                                <p:cTn id="19" presetClass="entr" nodeType="clickEffect" presetSubtype="0" presetID="1" grpId="1" fill="hold">
+                                <p:cTn id="19" presetID="1" presetClass="entr" presetSubtype="0" fill="hold" grpId="1" nodeType="clickEffect">
                                   <p:stCondLst>
                                     <p:cond delay="0"/>
                                   </p:stCondLst>
-                                  <p:iterate type="el" backwards="0">
+                                  <p:iterate>
                                     <p:tmAbs val="0"/>
                                   </p:iterate>
                                   <p:childTnLst>
@@ -5103,11 +5259,11 @@
                             </p:stCondLst>
                             <p:childTnLst>
                               <p:par>
-                                <p:cTn id="23" presetClass="entr" nodeType="clickEffect" presetSubtype="0" presetID="1" grpId="1" fill="hold">
+                                <p:cTn id="23" presetID="1" presetClass="entr" presetSubtype="0" fill="hold" grpId="1" nodeType="clickEffect">
                                   <p:stCondLst>
                                     <p:cond delay="0"/>
                                   </p:stCondLst>
-                                  <p:iterate type="el" backwards="0">
+                                  <p:iterate>
                                     <p:tmAbs val="0"/>
                                   </p:iterate>
                                   <p:childTnLst>
@@ -5141,14 +5297,14 @@
                 </p:childTnLst>
               </p:cTn>
               <p:prevCondLst>
-                <p:cond evt="onPrev">
+                <p:cond evt="onPrev" delay="0">
                   <p:tgtEl>
                     <p:sldTgt/>
                   </p:tgtEl>
                 </p:cond>
               </p:prevCondLst>
               <p:nextCondLst>
-                <p:cond evt="onNext">
+                <p:cond evt="onNext" delay="0">
                   <p:tgtEl>
                     <p:sldTgt/>
                   </p:tgtEl>
@@ -5160,14 +5316,14 @@
       </p:par>
     </p:tnLst>
     <p:bldLst>
-      <p:bldP build="p" bldLvl="5" animBg="1" rev="0" advAuto="0" spid="171" grpId="1"/>
+      <p:bldP spid="171" grpId="1" build="p" bldLvl="5" animBg="1" advAuto="0"/>
     </p:bldLst>
   </p:timing>
 </p:sld>
 </file>
 
 <file path=ppt/slides/slide3.xml><?xml version="1.0" encoding="utf-8"?>
-<p:sld xmlns:a="http://schemas.openxmlformats.org/drawingml/2006/main" xmlns:r="http://schemas.openxmlformats.org/officeDocument/2006/relationships" xmlns:p="http://schemas.openxmlformats.org/presentationml/2006/main" showMasterSp="1" showMasterPhAnim="1">
+<p:sld xmlns:a="http://schemas.openxmlformats.org/drawingml/2006/main" xmlns:r="http://schemas.openxmlformats.org/officeDocument/2006/relationships" xmlns:p="http://schemas.openxmlformats.org/presentationml/2006/main">
   <p:cSld>
     <p:spTree>
       <p:nvGrpSpPr>
@@ -5186,7 +5342,9 @@
       <p:sp>
         <p:nvSpPr>
           <p:cNvPr id="173" name="Shape 173"/>
-          <p:cNvSpPr/>
+          <p:cNvSpPr>
+            <a:spLocks noGrp="1"/>
+          </p:cNvSpPr>
           <p:nvPr>
             <p:ph type="title"/>
           </p:nvPr>
@@ -5201,14 +5359,15 @@
           </a:prstGeom>
         </p:spPr>
         <p:txBody>
-          <a:bodyPr/>
+          <a:bodyPr>
+            <a:normAutofit fontScale="90000"/>
+          </a:bodyPr>
           <a:lstStyle>
             <a:lvl1pPr algn="ctr" defTabSz="274574">
               <a:defRPr sz="7990"/>
             </a:lvl1pPr>
           </a:lstStyle>
           <a:p>
-            <a:pPr/>
             <a:r>
               <a:t>how do we make it better?</a:t>
             </a:r>
@@ -5218,7 +5377,9 @@
       <p:sp>
         <p:nvSpPr>
           <p:cNvPr id="174" name="Shape 174"/>
-          <p:cNvSpPr/>
+          <p:cNvSpPr>
+            <a:spLocks noGrp="1"/>
+          </p:cNvSpPr>
           <p:nvPr>
             <p:ph type="body" sz="half" idx="1"/>
           </p:nvPr>
@@ -5233,7 +5394,9 @@
           </a:prstGeom>
         </p:spPr>
         <p:txBody>
-          <a:bodyPr anchor="t"/>
+          <a:bodyPr anchor="t">
+            <a:normAutofit lnSpcReduction="10000"/>
+          </a:bodyPr>
           <a:lstStyle/>
           <a:p>
             <a:pPr marL="705970" indent="-705970">
@@ -5313,14 +5476,14 @@
   <p:clrMapOvr>
     <a:masterClrMapping/>
   </p:clrMapOvr>
-  <p:transition xmlns:p14="http://schemas.microsoft.com/office/powerpoint/2010/main" spd="med" advClick="1" p14:dur="1000"/>
+  <p:transition spd="slow"/>
   <p:timing>
     <p:tnLst>
       <p:par>
-        <p:cTn id="1" nodeType="tmRoot" restart="never" dur="indefinite" fill="hold">
+        <p:cTn id="1" dur="indefinite" restart="never" fill="hold" nodeType="tmRoot">
           <p:childTnLst>
             <p:seq concurrent="1" prevAc="none" nextAc="seek">
-              <p:cTn id="2" nodeType="mainSeq" dur="indefinite" fill="hold">
+              <p:cTn id="2" dur="indefinite" fill="hold" nodeType="mainSeq">
                 <p:childTnLst>
                   <p:par>
                     <p:cTn id="3" fill="hold">
@@ -5335,11 +5498,11 @@
                             </p:stCondLst>
                             <p:childTnLst>
                               <p:par>
-                                <p:cTn id="5" presetClass="entr" nodeType="clickEffect" presetID="9" grpId="1" fill="hold">
+                                <p:cTn id="5" presetID="9" presetClass="entr" fill="hold" grpId="1" nodeType="clickEffect">
                                   <p:stCondLst>
                                     <p:cond delay="0"/>
                                   </p:stCondLst>
-                                  <p:iterate type="el" backwards="0">
+                                  <p:iterate>
                                     <p:tmAbs val="0"/>
                                   </p:iterate>
                                   <p:childTnLst>
@@ -5359,7 +5522,7 @@
                                         <p:strVal val="visible"/>
                                       </p:to>
                                     </p:set>
-                                    <p:animEffect filter="dissolve" transition="in">
+                                    <p:animEffect transition="in" filter="dissolve">
                                       <p:cBhvr>
                                         <p:cTn id="7" dur="500"/>
                                         <p:tgtEl>
@@ -5373,11 +5536,11 @@
                                 </p:cTn>
                               </p:par>
                               <p:par>
-                                <p:cTn id="8" presetClass="entr" nodeType="withEffect" presetSubtype="0" presetID="9" grpId="1" fill="hold">
+                                <p:cTn id="8" presetID="9" presetClass="entr" presetSubtype="0" fill="hold" grpId="1" nodeType="withEffect">
                                   <p:stCondLst>
                                     <p:cond delay="0"/>
                                   </p:stCondLst>
-                                  <p:iterate type="el" backwards="0">
+                                  <p:iterate>
                                     <p:tmAbs val="0"/>
                                   </p:iterate>
                                   <p:childTnLst>
@@ -5399,7 +5562,7 @@
                                         <p:strVal val="visible"/>
                                       </p:to>
                                     </p:set>
-                                    <p:animEffect filter="dissolve" transition="in">
+                                    <p:animEffect transition="in" filter="dissolve">
                                       <p:cBhvr>
                                         <p:cTn id="10" dur="500"/>
                                         <p:tgtEl>
@@ -5433,11 +5596,11 @@
                             </p:stCondLst>
                             <p:childTnLst>
                               <p:par>
-                                <p:cTn id="13" presetClass="entr" nodeType="clickEffect" presetID="9" grpId="1" fill="hold">
+                                <p:cTn id="13" presetID="9" presetClass="entr" fill="hold" grpId="1" nodeType="clickEffect">
                                   <p:stCondLst>
                                     <p:cond delay="0"/>
                                   </p:stCondLst>
-                                  <p:iterate type="el" backwards="0">
+                                  <p:iterate>
                                     <p:tmAbs val="0"/>
                                   </p:iterate>
                                   <p:childTnLst>
@@ -5459,7 +5622,7 @@
                                         <p:strVal val="visible"/>
                                       </p:to>
                                     </p:set>
-                                    <p:animEffect filter="dissolve" transition="in">
+                                    <p:animEffect transition="in" filter="dissolve">
                                       <p:cBhvr>
                                         <p:cTn id="15" dur="500"/>
                                         <p:tgtEl>
@@ -5493,11 +5656,11 @@
                             </p:stCondLst>
                             <p:childTnLst>
                               <p:par>
-                                <p:cTn id="18" presetClass="entr" nodeType="clickEffect" presetID="9" grpId="1" fill="hold">
+                                <p:cTn id="18" presetID="9" presetClass="entr" fill="hold" grpId="1" nodeType="clickEffect">
                                   <p:stCondLst>
                                     <p:cond delay="0"/>
                                   </p:stCondLst>
-                                  <p:iterate type="el" backwards="0">
+                                  <p:iterate>
                                     <p:tmAbs val="0"/>
                                   </p:iterate>
                                   <p:childTnLst>
@@ -5519,7 +5682,7 @@
                                         <p:strVal val="visible"/>
                                       </p:to>
                                     </p:set>
-                                    <p:animEffect filter="dissolve" transition="in">
+                                    <p:animEffect transition="in" filter="dissolve">
                                       <p:cBhvr>
                                         <p:cTn id="20" dur="500"/>
                                         <p:tgtEl>
@@ -5553,11 +5716,11 @@
                             </p:stCondLst>
                             <p:childTnLst>
                               <p:par>
-                                <p:cTn id="23" presetClass="entr" nodeType="clickEffect" presetID="9" grpId="2" fill="hold">
+                                <p:cTn id="23" presetID="9" presetClass="entr" fill="hold" grpId="2" nodeType="clickEffect">
                                   <p:stCondLst>
                                     <p:cond delay="0"/>
                                   </p:stCondLst>
-                                  <p:iterate type="el" backwards="0">
+                                  <p:iterate>
                                     <p:tmAbs val="0"/>
                                   </p:iterate>
                                   <p:childTnLst>
@@ -5575,7 +5738,7 @@
                                         <p:strVal val="visible"/>
                                       </p:to>
                                     </p:set>
-                                    <p:animEffect filter="dissolve" transition="in">
+                                    <p:animEffect transition="in" filter="dissolve">
                                       <p:cBhvr>
                                         <p:cTn id="25" dur="300"/>
                                         <p:tgtEl>
@@ -5595,14 +5758,14 @@
                 </p:childTnLst>
               </p:cTn>
               <p:prevCondLst>
-                <p:cond evt="onPrev">
+                <p:cond evt="onPrev" delay="0">
                   <p:tgtEl>
                     <p:sldTgt/>
                   </p:tgtEl>
                 </p:cond>
               </p:prevCondLst>
               <p:nextCondLst>
-                <p:cond evt="onNext">
+                <p:cond evt="onNext" delay="0">
                   <p:tgtEl>
                     <p:sldTgt/>
                   </p:tgtEl>
@@ -5614,15 +5777,15 @@
       </p:par>
     </p:tnLst>
     <p:bldLst>
-      <p:bldP build="whole" bldLvl="1" animBg="1" rev="0" advAuto="0" spid="173" grpId="2"/>
-      <p:bldP build="p" bldLvl="5" animBg="1" rev="0" advAuto="0" spid="174" grpId="1"/>
+      <p:bldP spid="173" grpId="2" animBg="1" advAuto="0"/>
+      <p:bldP spid="174" grpId="1" build="p" bldLvl="5" animBg="1" advAuto="0"/>
     </p:bldLst>
   </p:timing>
 </p:sld>
 </file>
 
 <file path=ppt/slides/slide4.xml><?xml version="1.0" encoding="utf-8"?>
-<p:sld xmlns:a="http://schemas.openxmlformats.org/drawingml/2006/main" xmlns:r="http://schemas.openxmlformats.org/officeDocument/2006/relationships" xmlns:p="http://schemas.openxmlformats.org/presentationml/2006/main" showMasterSp="1" showMasterPhAnim="1">
+<p:sld xmlns:a="http://schemas.openxmlformats.org/drawingml/2006/main" xmlns:r="http://schemas.openxmlformats.org/officeDocument/2006/relationships" xmlns:p="http://schemas.openxmlformats.org/presentationml/2006/main">
   <p:cSld>
     <p:spTree>
       <p:nvGrpSpPr>
@@ -5670,6 +5833,7 @@
                 <a:sym typeface="DIN Alternate"/>
               </a:defRPr>
             </a:pPr>
+            <a:endParaRPr/>
           </a:p>
         </p:txBody>
       </p:sp>
@@ -5707,12 +5871,19 @@
   <p:clrMapOvr>
     <a:masterClrMapping/>
   </p:clrMapOvr>
-  <p:transition xmlns:p14="http://schemas.microsoft.com/office/powerpoint/2010/main" spd="med" advClick="1" p14:dur="1000"/>
+  <p:transition spd="slow"/>
+  <p:timing>
+    <p:tnLst>
+      <p:par>
+        <p:cTn id="1" dur="indefinite" restart="never" nodeType="tmRoot"/>
+      </p:par>
+    </p:tnLst>
+  </p:timing>
 </p:sld>
 </file>
 
 <file path=ppt/slides/slide5.xml><?xml version="1.0" encoding="utf-8"?>
-<p:sld xmlns:a="http://schemas.openxmlformats.org/drawingml/2006/main" xmlns:r="http://schemas.openxmlformats.org/officeDocument/2006/relationships" xmlns:p="http://schemas.openxmlformats.org/presentationml/2006/main" showMasterSp="1" showMasterPhAnim="1">
+<p:sld xmlns:a="http://schemas.openxmlformats.org/drawingml/2006/main" xmlns:r="http://schemas.openxmlformats.org/officeDocument/2006/relationships" xmlns:p="http://schemas.openxmlformats.org/presentationml/2006/main">
   <p:cSld>
     <p:spTree>
       <p:nvGrpSpPr>
@@ -5747,7 +5918,7 @@
           </a:ln>
           <a:extLst>
             <a:ext uri="{C572A759-6A51-4108-AA02-DFA0A04FC94B}">
-              <ma14:wrappingTextBoxFlag xmlns:ma14="http://schemas.microsoft.com/office/mac/drawingml/2011/main" val="1"/>
+              <ma14:wrappingTextBoxFlag xmlns:ma14="http://schemas.microsoft.com/office/mac/drawingml/2011/main" xmlns="" val="1"/>
             </a:ext>
           </a:extLst>
         </p:spPr>
@@ -5763,7 +5934,7 @@
               <a:spcBef>
                 <a:spcPts val="2800"/>
               </a:spcBef>
-              <a:defRPr cap="all" sz="6000">
+              <a:defRPr sz="6000" cap="all">
                 <a:solidFill>
                   <a:schemeClr val="accent1"/>
                 </a:solidFill>
@@ -5775,7 +5946,6 @@
             </a:lvl1pPr>
           </a:lstStyle>
           <a:p>
-            <a:pPr/>
             <a:r>
               <a:t>Rules</a:t>
             </a:r>
@@ -5801,7 +5971,7 @@
           </a:ln>
           <a:extLst>
             <a:ext uri="{C572A759-6A51-4108-AA02-DFA0A04FC94B}">
-              <ma14:wrappingTextBoxFlag xmlns:ma14="http://schemas.microsoft.com/office/mac/drawingml/2011/main" val="1"/>
+              <ma14:wrappingTextBoxFlag xmlns:ma14="http://schemas.microsoft.com/office/mac/drawingml/2011/main" xmlns="" val="1"/>
             </a:ext>
           </a:extLst>
         </p:spPr>
@@ -5936,14 +6106,14 @@
   <p:clrMapOvr>
     <a:masterClrMapping/>
   </p:clrMapOvr>
-  <p:transition xmlns:p14="http://schemas.microsoft.com/office/powerpoint/2010/main" spd="med" advClick="1" p14:dur="1000"/>
+  <p:transition spd="slow"/>
   <p:timing>
     <p:tnLst>
       <p:par>
-        <p:cTn id="1" nodeType="tmRoot" restart="never" dur="indefinite" fill="hold">
+        <p:cTn id="1" dur="indefinite" restart="never" fill="hold" nodeType="tmRoot">
           <p:childTnLst>
             <p:seq concurrent="1" prevAc="none" nextAc="seek">
-              <p:cTn id="2" nodeType="mainSeq" dur="indefinite" fill="hold">
+              <p:cTn id="2" dur="indefinite" fill="hold" nodeType="mainSeq">
                 <p:childTnLst>
                   <p:par>
                     <p:cTn id="3" fill="hold">
@@ -5958,11 +6128,11 @@
                             </p:stCondLst>
                             <p:childTnLst>
                               <p:par>
-                                <p:cTn id="5" presetClass="entr" nodeType="clickEffect" presetSubtype="0" presetID="1" grpId="1" fill="hold">
+                                <p:cTn id="5" presetID="1" presetClass="entr" presetSubtype="0" fill="hold" grpId="1" nodeType="clickEffect">
                                   <p:stCondLst>
                                     <p:cond delay="0"/>
                                   </p:stCondLst>
-                                  <p:iterate type="el" backwards="0">
+                                  <p:iterate>
                                     <p:tmAbs val="0"/>
                                   </p:iterate>
                                   <p:childTnLst>
@@ -5986,11 +6156,11 @@
                                 </p:cTn>
                               </p:par>
                               <p:par>
-                                <p:cTn id="7" presetClass="entr" nodeType="withEffect" presetSubtype="0" presetID="1" grpId="1" fill="hold">
+                                <p:cTn id="7" presetID="1" presetClass="entr" presetSubtype="0" fill="hold" grpId="1" nodeType="withEffect">
                                   <p:stCondLst>
                                     <p:cond delay="0"/>
                                   </p:stCondLst>
-                                  <p:iterate type="el" backwards="0">
+                                  <p:iterate>
                                     <p:tmAbs val="0"/>
                                   </p:iterate>
                                   <p:childTnLst>
@@ -6034,11 +6204,11 @@
                             </p:stCondLst>
                             <p:childTnLst>
                               <p:par>
-                                <p:cTn id="11" presetClass="entr" nodeType="clickEffect" presetSubtype="0" presetID="1" grpId="1" fill="hold">
+                                <p:cTn id="11" presetID="1" presetClass="entr" presetSubtype="0" fill="hold" grpId="1" nodeType="clickEffect">
                                   <p:stCondLst>
                                     <p:cond delay="0"/>
                                   </p:stCondLst>
-                                  <p:iterate type="el" backwards="0">
+                                  <p:iterate>
                                     <p:tmAbs val="0"/>
                                   </p:iterate>
                                   <p:childTnLst>
@@ -6082,11 +6252,11 @@
                             </p:stCondLst>
                             <p:childTnLst>
                               <p:par>
-                                <p:cTn id="15" presetClass="entr" nodeType="clickEffect" presetSubtype="0" presetID="1" grpId="1" fill="hold">
+                                <p:cTn id="15" presetID="1" presetClass="entr" presetSubtype="0" fill="hold" grpId="1" nodeType="clickEffect">
                                   <p:stCondLst>
                                     <p:cond delay="0"/>
                                   </p:stCondLst>
-                                  <p:iterate type="el" backwards="0">
+                                  <p:iterate>
                                     <p:tmAbs val="0"/>
                                   </p:iterate>
                                   <p:childTnLst>
@@ -6130,11 +6300,11 @@
                             </p:stCondLst>
                             <p:childTnLst>
                               <p:par>
-                                <p:cTn id="19" presetClass="entr" nodeType="clickEffect" presetSubtype="0" presetID="1" grpId="1" fill="hold">
+                                <p:cTn id="19" presetID="1" presetClass="entr" presetSubtype="0" fill="hold" grpId="1" nodeType="clickEffect">
                                   <p:stCondLst>
                                     <p:cond delay="0"/>
                                   </p:stCondLst>
-                                  <p:iterate type="el" backwards="0">
+                                  <p:iterate>
                                     <p:tmAbs val="0"/>
                                   </p:iterate>
                                   <p:childTnLst>
@@ -6178,11 +6348,11 @@
                             </p:stCondLst>
                             <p:childTnLst>
                               <p:par>
-                                <p:cTn id="23" presetClass="entr" nodeType="clickEffect" presetSubtype="0" presetID="1" grpId="1" fill="hold">
+                                <p:cTn id="23" presetID="1" presetClass="entr" presetSubtype="0" fill="hold" grpId="1" nodeType="clickEffect">
                                   <p:stCondLst>
                                     <p:cond delay="0"/>
                                   </p:stCondLst>
-                                  <p:iterate type="el" backwards="0">
+                                  <p:iterate>
                                     <p:tmAbs val="0"/>
                                   </p:iterate>
                                   <p:childTnLst>
@@ -6226,11 +6396,11 @@
                             </p:stCondLst>
                             <p:childTnLst>
                               <p:par>
-                                <p:cTn id="27" presetClass="entr" nodeType="clickEffect" presetSubtype="0" presetID="1" grpId="1" fill="hold">
+                                <p:cTn id="27" presetID="1" presetClass="entr" presetSubtype="0" fill="hold" grpId="1" nodeType="clickEffect">
                                   <p:stCondLst>
                                     <p:cond delay="0"/>
                                   </p:stCondLst>
-                                  <p:iterate type="el" backwards="0">
+                                  <p:iterate>
                                     <p:tmAbs val="0"/>
                                   </p:iterate>
                                   <p:childTnLst>
@@ -6274,11 +6444,11 @@
                             </p:stCondLst>
                             <p:childTnLst>
                               <p:par>
-                                <p:cTn id="31" presetClass="entr" nodeType="clickEffect" presetSubtype="0" presetID="1" grpId="1" fill="hold">
+                                <p:cTn id="31" presetID="1" presetClass="entr" presetSubtype="0" fill="hold" grpId="1" nodeType="clickEffect">
                                   <p:stCondLst>
                                     <p:cond delay="0"/>
                                   </p:stCondLst>
-                                  <p:iterate type="el" backwards="0">
+                                  <p:iterate>
                                     <p:tmAbs val="0"/>
                                   </p:iterate>
                                   <p:childTnLst>
@@ -6312,14 +6482,14 @@
                 </p:childTnLst>
               </p:cTn>
               <p:prevCondLst>
-                <p:cond evt="onPrev">
+                <p:cond evt="onPrev" delay="0">
                   <p:tgtEl>
                     <p:sldTgt/>
                   </p:tgtEl>
                 </p:cond>
               </p:prevCondLst>
               <p:nextCondLst>
-                <p:cond evt="onNext">
+                <p:cond evt="onNext" delay="0">
                   <p:tgtEl>
                     <p:sldTgt/>
                   </p:tgtEl>
@@ -6331,14 +6501,14 @@
       </p:par>
     </p:tnLst>
     <p:bldLst>
-      <p:bldP build="p" bldLvl="5" animBg="1" rev="0" advAuto="0" spid="181" grpId="1"/>
+      <p:bldP spid="181" grpId="1" build="p" bldLvl="5" animBg="1" advAuto="0"/>
     </p:bldLst>
   </p:timing>
 </p:sld>
 </file>
 
 <file path=ppt/slides/slide6.xml><?xml version="1.0" encoding="utf-8"?>
-<p:sld xmlns:a="http://schemas.openxmlformats.org/drawingml/2006/main" xmlns:r="http://schemas.openxmlformats.org/officeDocument/2006/relationships" xmlns:p="http://schemas.openxmlformats.org/presentationml/2006/main" showMasterSp="1" showMasterPhAnim="1">
+<p:sld xmlns:a="http://schemas.openxmlformats.org/drawingml/2006/main" xmlns:r="http://schemas.openxmlformats.org/officeDocument/2006/relationships" xmlns:p="http://schemas.openxmlformats.org/presentationml/2006/main">
   <p:cSld>
     <p:spTree>
       <p:nvGrpSpPr>
@@ -6362,8 +6532,8 @@
         </p:nvSpPr>
         <p:spPr>
           <a:xfrm>
-            <a:off x="5461931" y="330198"/>
-            <a:ext cx="2835339" cy="863604"/>
+            <a:off x="3459892" y="330198"/>
+            <a:ext cx="5103339" cy="863604"/>
           </a:xfrm>
           <a:prstGeom prst="rect">
             <a:avLst/>
@@ -6373,12 +6543,12 @@
           </a:ln>
           <a:extLst>
             <a:ext uri="{C572A759-6A51-4108-AA02-DFA0A04FC94B}">
-              <ma14:wrappingTextBoxFlag xmlns:ma14="http://schemas.microsoft.com/office/mac/drawingml/2011/main" val="1"/>
+              <ma14:wrappingTextBoxFlag xmlns:ma14="http://schemas.microsoft.com/office/mac/drawingml/2011/main" xmlns="" val="1"/>
             </a:ext>
           </a:extLst>
         </p:spPr>
         <p:txBody>
-          <a:bodyPr lIns="50800" tIns="50800" rIns="50800" bIns="50800" anchor="ctr">
+          <a:bodyPr wrap="square" lIns="50800" tIns="50800" rIns="50800" bIns="50800" anchor="ctr">
             <a:spAutoFit/>
           </a:bodyPr>
           <a:lstStyle>
@@ -6389,7 +6559,7 @@
               <a:spcBef>
                 <a:spcPts val="2800"/>
               </a:spcBef>
-              <a:defRPr cap="all" sz="6000">
+              <a:defRPr sz="6000" cap="all">
                 <a:solidFill>
                   <a:schemeClr val="accent1"/>
                 </a:solidFill>
@@ -6401,8 +6571,9 @@
             </a:lvl1pPr>
           </a:lstStyle>
           <a:p>
-            <a:pPr/>
-            <a:r>
+            <a:pPr algn="ctr"/>
+            <a:r>
+              <a:rPr dirty="0"/>
               <a:t>Benefits</a:t>
             </a:r>
           </a:p>
@@ -6427,7 +6598,7 @@
           </a:ln>
           <a:extLst>
             <a:ext uri="{C572A759-6A51-4108-AA02-DFA0A04FC94B}">
-              <ma14:wrappingTextBoxFlag xmlns:ma14="http://schemas.microsoft.com/office/mac/drawingml/2011/main" val="1"/>
+              <ma14:wrappingTextBoxFlag xmlns:ma14="http://schemas.microsoft.com/office/mac/drawingml/2011/main" xmlns="" val="1"/>
             </a:ext>
           </a:extLst>
         </p:spPr>
@@ -6450,6 +6621,7 @@
               <a:defRPr sz="3400"/>
             </a:pPr>
             <a:r>
+              <a:rPr dirty="0"/>
               <a:t>Code becomes super easy to navigate, learn pattern once find any logic quickly</a:t>
             </a:r>
           </a:p>
@@ -6467,6 +6639,7 @@
               <a:defRPr sz="3400"/>
             </a:pPr>
             <a:r>
+              <a:rPr dirty="0"/>
               <a:t>Everything becomes unit testable (not a mix of integration testing)</a:t>
             </a:r>
           </a:p>
@@ -6484,6 +6657,7 @@
               <a:defRPr sz="3400"/>
             </a:pPr>
             <a:r>
+              <a:rPr dirty="0"/>
               <a:t>No unnecessary injection (more efficient)</a:t>
             </a:r>
           </a:p>
@@ -6501,6 +6675,7 @@
               <a:defRPr sz="3400"/>
             </a:pPr>
             <a:r>
+              <a:rPr dirty="0"/>
               <a:t>Single responsibility, DRY,  bits easily replaced</a:t>
             </a:r>
           </a:p>
@@ -6518,6 +6693,7 @@
               <a:defRPr sz="3400"/>
             </a:pPr>
             <a:r>
+              <a:rPr dirty="0"/>
               <a:t>Small classes are much nicer to work with</a:t>
             </a:r>
           </a:p>
@@ -6535,7 +6711,12 @@
               <a:defRPr sz="3400"/>
             </a:pPr>
             <a:r>
-              <a:t>DomainModels responsible for business logic and nonsensical values can never be set on objects</a:t>
+              <a:rPr dirty="0" err="1"/>
+              <a:t>DomainModels</a:t>
+            </a:r>
+            <a:r>
+              <a:rPr dirty="0"/>
+              <a:t> responsible for business logic and nonsensical values can never be set on objects</a:t>
             </a:r>
           </a:p>
           <a:p>
@@ -6552,6 +6733,7 @@
               <a:defRPr sz="3400"/>
             </a:pPr>
             <a:r>
+              <a:rPr dirty="0"/>
               <a:t>More…</a:t>
             </a:r>
           </a:p>
@@ -6562,14 +6744,14 @@
   <p:clrMapOvr>
     <a:masterClrMapping/>
   </p:clrMapOvr>
-  <p:transition xmlns:p14="http://schemas.microsoft.com/office/powerpoint/2010/main" spd="med" advClick="1" p14:dur="1000"/>
+  <p:transition spd="slow"/>
   <p:timing>
     <p:tnLst>
       <p:par>
-        <p:cTn id="1" nodeType="tmRoot" restart="never" dur="indefinite" fill="hold">
+        <p:cTn id="1" dur="indefinite" restart="never" fill="hold" nodeType="tmRoot">
           <p:childTnLst>
             <p:seq concurrent="1" prevAc="none" nextAc="seek">
-              <p:cTn id="2" nodeType="mainSeq" dur="indefinite" fill="hold">
+              <p:cTn id="2" dur="indefinite" fill="hold" nodeType="mainSeq">
                 <p:childTnLst>
                   <p:par>
                     <p:cTn id="3" fill="hold">
@@ -6584,11 +6766,11 @@
                             </p:stCondLst>
                             <p:childTnLst>
                               <p:par>
-                                <p:cTn id="5" presetClass="entr" nodeType="clickEffect" presetSubtype="0" presetID="1" grpId="1" fill="hold">
+                                <p:cTn id="5" presetID="1" presetClass="entr" presetSubtype="0" fill="hold" grpId="1" nodeType="clickEffect">
                                   <p:stCondLst>
                                     <p:cond delay="0"/>
                                   </p:stCondLst>
-                                  <p:iterate type="el" backwards="0">
+                                  <p:iterate>
                                     <p:tmAbs val="0"/>
                                   </p:iterate>
                                   <p:childTnLst>
@@ -6612,11 +6794,11 @@
                                 </p:cTn>
                               </p:par>
                               <p:par>
-                                <p:cTn id="7" presetClass="entr" nodeType="withEffect" presetSubtype="0" presetID="1" grpId="1" fill="hold">
+                                <p:cTn id="7" presetID="1" presetClass="entr" presetSubtype="0" fill="hold" grpId="1" nodeType="withEffect">
                                   <p:stCondLst>
                                     <p:cond delay="0"/>
                                   </p:stCondLst>
-                                  <p:iterate type="el" backwards="0">
+                                  <p:iterate>
                                     <p:tmAbs val="0"/>
                                   </p:iterate>
                                   <p:childTnLst>
@@ -6660,11 +6842,11 @@
                             </p:stCondLst>
                             <p:childTnLst>
                               <p:par>
-                                <p:cTn id="11" presetClass="entr" nodeType="clickEffect" presetSubtype="0" presetID="1" grpId="1" fill="hold">
+                                <p:cTn id="11" presetID="1" presetClass="entr" presetSubtype="0" fill="hold" grpId="1" nodeType="clickEffect">
                                   <p:stCondLst>
                                     <p:cond delay="0"/>
                                   </p:stCondLst>
-                                  <p:iterate type="el" backwards="0">
+                                  <p:iterate>
                                     <p:tmAbs val="0"/>
                                   </p:iterate>
                                   <p:childTnLst>
@@ -6708,11 +6890,11 @@
                             </p:stCondLst>
                             <p:childTnLst>
                               <p:par>
-                                <p:cTn id="15" presetClass="entr" nodeType="clickEffect" presetSubtype="0" presetID="1" grpId="1" fill="hold">
+                                <p:cTn id="15" presetID="1" presetClass="entr" presetSubtype="0" fill="hold" grpId="1" nodeType="clickEffect">
                                   <p:stCondLst>
                                     <p:cond delay="0"/>
                                   </p:stCondLst>
-                                  <p:iterate type="el" backwards="0">
+                                  <p:iterate>
                                     <p:tmAbs val="0"/>
                                   </p:iterate>
                                   <p:childTnLst>
@@ -6756,11 +6938,11 @@
                             </p:stCondLst>
                             <p:childTnLst>
                               <p:par>
-                                <p:cTn id="19" presetClass="entr" nodeType="clickEffect" presetSubtype="0" presetID="1" grpId="1" fill="hold">
+                                <p:cTn id="19" presetID="1" presetClass="entr" presetSubtype="0" fill="hold" grpId="1" nodeType="clickEffect">
                                   <p:stCondLst>
                                     <p:cond delay="0"/>
                                   </p:stCondLst>
-                                  <p:iterate type="el" backwards="0">
+                                  <p:iterate>
                                     <p:tmAbs val="0"/>
                                   </p:iterate>
                                   <p:childTnLst>
@@ -6804,11 +6986,11 @@
                             </p:stCondLst>
                             <p:childTnLst>
                               <p:par>
-                                <p:cTn id="23" presetClass="entr" nodeType="clickEffect" presetSubtype="0" presetID="1" grpId="1" fill="hold">
+                                <p:cTn id="23" presetID="1" presetClass="entr" presetSubtype="0" fill="hold" grpId="1" nodeType="clickEffect">
                                   <p:stCondLst>
                                     <p:cond delay="0"/>
                                   </p:stCondLst>
-                                  <p:iterate type="el" backwards="0">
+                                  <p:iterate>
                                     <p:tmAbs val="0"/>
                                   </p:iterate>
                                   <p:childTnLst>
@@ -6852,11 +7034,11 @@
                             </p:stCondLst>
                             <p:childTnLst>
                               <p:par>
-                                <p:cTn id="27" presetClass="entr" nodeType="clickEffect" presetSubtype="0" presetID="1" grpId="1" fill="hold">
+                                <p:cTn id="27" presetID="1" presetClass="entr" presetSubtype="0" fill="hold" grpId="1" nodeType="clickEffect">
                                   <p:stCondLst>
                                     <p:cond delay="0"/>
                                   </p:stCondLst>
-                                  <p:iterate type="el" backwards="0">
+                                  <p:iterate>
                                     <p:tmAbs val="0"/>
                                   </p:iterate>
                                   <p:childTnLst>
@@ -6900,11 +7082,11 @@
                             </p:stCondLst>
                             <p:childTnLst>
                               <p:par>
-                                <p:cTn id="31" presetClass="entr" nodeType="clickEffect" presetSubtype="0" presetID="1" grpId="1" fill="hold">
+                                <p:cTn id="31" presetID="1" presetClass="entr" presetSubtype="0" fill="hold" grpId="1" nodeType="clickEffect">
                                   <p:stCondLst>
                                     <p:cond delay="0"/>
                                   </p:stCondLst>
-                                  <p:iterate type="el" backwards="0">
+                                  <p:iterate>
                                     <p:tmAbs val="0"/>
                                   </p:iterate>
                                   <p:childTnLst>
@@ -6938,14 +7120,14 @@
                 </p:childTnLst>
               </p:cTn>
               <p:prevCondLst>
-                <p:cond evt="onPrev">
+                <p:cond evt="onPrev" delay="0">
                   <p:tgtEl>
                     <p:sldTgt/>
                   </p:tgtEl>
                 </p:cond>
               </p:prevCondLst>
               <p:nextCondLst>
-                <p:cond evt="onNext">
+                <p:cond evt="onNext" delay="0">
                   <p:tgtEl>
                     <p:sldTgt/>
                   </p:tgtEl>
@@ -6957,14 +7139,14 @@
       </p:par>
     </p:tnLst>
     <p:bldLst>
-      <p:bldP build="p" bldLvl="5" animBg="1" rev="0" advAuto="0" spid="184" grpId="1"/>
+      <p:bldP spid="184" grpId="1" build="p" bldLvl="5" animBg="1" advAuto="0"/>
     </p:bldLst>
   </p:timing>
 </p:sld>
 </file>
 
 <file path=ppt/theme/theme1.xml><?xml version="1.0" encoding="utf-8"?>
-<a:theme xmlns:a="http://schemas.openxmlformats.org/drawingml/2006/main" xmlns:r="http://schemas.openxmlformats.org/officeDocument/2006/relationships" name="New_Template7">
+<a:theme xmlns:a="http://schemas.openxmlformats.org/drawingml/2006/main" name="New_Template7">
   <a:themeElements>
     <a:clrScheme name="New_Template7">
       <a:dk1>
@@ -7163,7 +7345,7 @@
         <a:effectLst/>
         <a:sp3d/>
       </a:spPr>
-      <a:bodyPr rot="0" spcFirstLastPara="1" vertOverflow="overflow" horzOverflow="overflow" vert="horz" wrap="square" lIns="50800" tIns="50800" rIns="50800" bIns="50800" numCol="1" spcCol="38100" rtlCol="0" anchor="ctr" upright="0">
+      <a:bodyPr rot="0" spcFirstLastPara="1" vertOverflow="overflow" horzOverflow="overflow" vert="horz" wrap="square" lIns="50800" tIns="50800" rIns="50800" bIns="50800" numCol="1" spcCol="38100" rtlCol="0" anchor="ctr">
         <a:spAutoFit/>
       </a:bodyPr>
       <a:lstStyle>
@@ -7182,7 +7364,7 @@
           <a:buFontTx/>
           <a:buNone/>
           <a:tabLst/>
-          <a:defRPr b="0" baseline="0" cap="all" i="0" spc="0" strike="noStrike" sz="2800" u="none" kumimoji="0" normalizeH="0">
+          <a:defRPr kumimoji="0" sz="2800" b="0" i="0" u="none" strike="noStrike" cap="all" spc="0" normalizeH="0" baseline="0">
             <a:ln>
               <a:noFill/>
             </a:ln>
@@ -7212,7 +7394,7 @@
           <a:buFontTx/>
           <a:buNone/>
           <a:tabLst/>
-          <a:defRPr b="0" baseline="0" cap="none" i="0" spc="0" strike="noStrike" sz="1800" u="none" kumimoji="0" normalizeH="0">
+          <a:defRPr kumimoji="0" sz="1800" b="0" i="0" u="none" strike="noStrike" cap="none" spc="0" normalizeH="0" baseline="0">
             <a:ln>
               <a:noFill/>
             </a:ln>
@@ -7238,7 +7420,7 @@
           <a:buFontTx/>
           <a:buNone/>
           <a:tabLst/>
-          <a:defRPr b="0" baseline="0" cap="none" i="0" spc="0" strike="noStrike" sz="1800" u="none" kumimoji="0" normalizeH="0">
+          <a:defRPr kumimoji="0" sz="1800" b="0" i="0" u="none" strike="noStrike" cap="none" spc="0" normalizeH="0" baseline="0">
             <a:ln>
               <a:noFill/>
             </a:ln>
@@ -7264,7 +7446,7 @@
           <a:buFontTx/>
           <a:buNone/>
           <a:tabLst/>
-          <a:defRPr b="0" baseline="0" cap="none" i="0" spc="0" strike="noStrike" sz="1800" u="none" kumimoji="0" normalizeH="0">
+          <a:defRPr kumimoji="0" sz="1800" b="0" i="0" u="none" strike="noStrike" cap="none" spc="0" normalizeH="0" baseline="0">
             <a:ln>
               <a:noFill/>
             </a:ln>
@@ -7290,7 +7472,7 @@
           <a:buFontTx/>
           <a:buNone/>
           <a:tabLst/>
-          <a:defRPr b="0" baseline="0" cap="none" i="0" spc="0" strike="noStrike" sz="1800" u="none" kumimoji="0" normalizeH="0">
+          <a:defRPr kumimoji="0" sz="1800" b="0" i="0" u="none" strike="noStrike" cap="none" spc="0" normalizeH="0" baseline="0">
             <a:ln>
               <a:noFill/>
             </a:ln>
@@ -7316,7 +7498,7 @@
           <a:buFontTx/>
           <a:buNone/>
           <a:tabLst/>
-          <a:defRPr b="0" baseline="0" cap="none" i="0" spc="0" strike="noStrike" sz="1800" u="none" kumimoji="0" normalizeH="0">
+          <a:defRPr kumimoji="0" sz="1800" b="0" i="0" u="none" strike="noStrike" cap="none" spc="0" normalizeH="0" baseline="0">
             <a:ln>
               <a:noFill/>
             </a:ln>
@@ -7342,7 +7524,7 @@
           <a:buFontTx/>
           <a:buNone/>
           <a:tabLst/>
-          <a:defRPr b="0" baseline="0" cap="none" i="0" spc="0" strike="noStrike" sz="1800" u="none" kumimoji="0" normalizeH="0">
+          <a:defRPr kumimoji="0" sz="1800" b="0" i="0" u="none" strike="noStrike" cap="none" spc="0" normalizeH="0" baseline="0">
             <a:ln>
               <a:noFill/>
             </a:ln>
@@ -7368,7 +7550,7 @@
           <a:buFontTx/>
           <a:buNone/>
           <a:tabLst/>
-          <a:defRPr b="0" baseline="0" cap="none" i="0" spc="0" strike="noStrike" sz="1800" u="none" kumimoji="0" normalizeH="0">
+          <a:defRPr kumimoji="0" sz="1800" b="0" i="0" u="none" strike="noStrike" cap="none" spc="0" normalizeH="0" baseline="0">
             <a:ln>
               <a:noFill/>
             </a:ln>
@@ -7394,7 +7576,7 @@
           <a:buFontTx/>
           <a:buNone/>
           <a:tabLst/>
-          <a:defRPr b="0" baseline="0" cap="none" i="0" spc="0" strike="noStrike" sz="1800" u="none" kumimoji="0" normalizeH="0">
+          <a:defRPr kumimoji="0" sz="1800" b="0" i="0" u="none" strike="noStrike" cap="none" spc="0" normalizeH="0" baseline="0">
             <a:ln>
               <a:noFill/>
             </a:ln>
@@ -7420,7 +7602,7 @@
           <a:buFontTx/>
           <a:buNone/>
           <a:tabLst/>
-          <a:defRPr b="0" baseline="0" cap="none" i="0" spc="0" strike="noStrike" sz="1800" u="none" kumimoji="0" normalizeH="0">
+          <a:defRPr kumimoji="0" sz="1800" b="0" i="0" u="none" strike="noStrike" cap="none" spc="0" normalizeH="0" baseline="0">
             <a:ln>
               <a:noFill/>
             </a:ln>
@@ -7433,9 +7615,15 @@
         </a:lvl9pPr>
       </a:lstStyle>
       <a:style>
-        <a:lnRef idx="0"/>
-        <a:fillRef idx="0"/>
-        <a:effectRef idx="0"/>
+        <a:lnRef idx="0">
+          <a:scrgbClr r="0" g="0" b="0"/>
+        </a:lnRef>
+        <a:fillRef idx="0">
+          <a:scrgbClr r="0" g="0" b="0"/>
+        </a:fillRef>
+        <a:effectRef idx="0">
+          <a:scrgbClr r="0" g="0" b="0"/>
+        </a:effectRef>
         <a:fontRef idx="none"/>
       </a:style>
     </a:spDef>
@@ -7452,7 +7640,7 @@
         <a:effectLst/>
         <a:sp3d/>
       </a:spPr>
-      <a:bodyPr rot="0" spcFirstLastPara="1" vertOverflow="overflow" horzOverflow="overflow" vert="horz" wrap="square" lIns="91439" tIns="45719" rIns="91439" bIns="45719" numCol="1" spcCol="38100" rtlCol="0" anchor="t" upright="0">
+      <a:bodyPr rot="0" spcFirstLastPara="1" vertOverflow="overflow" horzOverflow="overflow" vert="horz" wrap="square" lIns="91439" tIns="45719" rIns="91439" bIns="45719" numCol="1" spcCol="38100" rtlCol="0" anchor="t">
         <a:noAutofit/>
       </a:bodyPr>
       <a:lstStyle>
@@ -7471,7 +7659,7 @@
           <a:buFontTx/>
           <a:buNone/>
           <a:tabLst/>
-          <a:defRPr b="0" baseline="0" cap="none" i="0" spc="0" strike="noStrike" sz="1800" u="none" kumimoji="0" normalizeH="0">
+          <a:defRPr kumimoji="0" sz="1800" b="0" i="0" u="none" strike="noStrike" cap="none" spc="0" normalizeH="0" baseline="0">
             <a:ln>
               <a:noFill/>
             </a:ln>
@@ -7497,7 +7685,7 @@
           <a:buFontTx/>
           <a:buNone/>
           <a:tabLst/>
-          <a:defRPr b="0" baseline="0" cap="none" i="0" spc="0" strike="noStrike" sz="1800" u="none" kumimoji="0" normalizeH="0">
+          <a:defRPr kumimoji="0" sz="1800" b="0" i="0" u="none" strike="noStrike" cap="none" spc="0" normalizeH="0" baseline="0">
             <a:ln>
               <a:noFill/>
             </a:ln>
@@ -7523,7 +7711,7 @@
           <a:buFontTx/>
           <a:buNone/>
           <a:tabLst/>
-          <a:defRPr b="0" baseline="0" cap="none" i="0" spc="0" strike="noStrike" sz="1800" u="none" kumimoji="0" normalizeH="0">
+          <a:defRPr kumimoji="0" sz="1800" b="0" i="0" u="none" strike="noStrike" cap="none" spc="0" normalizeH="0" baseline="0">
             <a:ln>
               <a:noFill/>
             </a:ln>
@@ -7549,7 +7737,7 @@
           <a:buFontTx/>
           <a:buNone/>
           <a:tabLst/>
-          <a:defRPr b="0" baseline="0" cap="none" i="0" spc="0" strike="noStrike" sz="1800" u="none" kumimoji="0" normalizeH="0">
+          <a:defRPr kumimoji="0" sz="1800" b="0" i="0" u="none" strike="noStrike" cap="none" spc="0" normalizeH="0" baseline="0">
             <a:ln>
               <a:noFill/>
             </a:ln>
@@ -7575,7 +7763,7 @@
           <a:buFontTx/>
           <a:buNone/>
           <a:tabLst/>
-          <a:defRPr b="0" baseline="0" cap="none" i="0" spc="0" strike="noStrike" sz="1800" u="none" kumimoji="0" normalizeH="0">
+          <a:defRPr kumimoji="0" sz="1800" b="0" i="0" u="none" strike="noStrike" cap="none" spc="0" normalizeH="0" baseline="0">
             <a:ln>
               <a:noFill/>
             </a:ln>
@@ -7601,7 +7789,7 @@
           <a:buFontTx/>
           <a:buNone/>
           <a:tabLst/>
-          <a:defRPr b="0" baseline="0" cap="none" i="0" spc="0" strike="noStrike" sz="1800" u="none" kumimoji="0" normalizeH="0">
+          <a:defRPr kumimoji="0" sz="1800" b="0" i="0" u="none" strike="noStrike" cap="none" spc="0" normalizeH="0" baseline="0">
             <a:ln>
               <a:noFill/>
             </a:ln>
@@ -7627,7 +7815,7 @@
           <a:buFontTx/>
           <a:buNone/>
           <a:tabLst/>
-          <a:defRPr b="0" baseline="0" cap="none" i="0" spc="0" strike="noStrike" sz="1800" u="none" kumimoji="0" normalizeH="0">
+          <a:defRPr kumimoji="0" sz="1800" b="0" i="0" u="none" strike="noStrike" cap="none" spc="0" normalizeH="0" baseline="0">
             <a:ln>
               <a:noFill/>
             </a:ln>
@@ -7653,7 +7841,7 @@
           <a:buFontTx/>
           <a:buNone/>
           <a:tabLst/>
-          <a:defRPr b="0" baseline="0" cap="none" i="0" spc="0" strike="noStrike" sz="1800" u="none" kumimoji="0" normalizeH="0">
+          <a:defRPr kumimoji="0" sz="1800" b="0" i="0" u="none" strike="noStrike" cap="none" spc="0" normalizeH="0" baseline="0">
             <a:ln>
               <a:noFill/>
             </a:ln>
@@ -7679,7 +7867,7 @@
           <a:buFontTx/>
           <a:buNone/>
           <a:tabLst/>
-          <a:defRPr b="0" baseline="0" cap="none" i="0" spc="0" strike="noStrike" sz="1800" u="none" kumimoji="0" normalizeH="0">
+          <a:defRPr kumimoji="0" sz="1800" b="0" i="0" u="none" strike="noStrike" cap="none" spc="0" normalizeH="0" baseline="0">
             <a:ln>
               <a:noFill/>
             </a:ln>
@@ -7705,7 +7893,7 @@
           <a:buFontTx/>
           <a:buNone/>
           <a:tabLst/>
-          <a:defRPr b="0" baseline="0" cap="none" i="0" spc="0" strike="noStrike" sz="1800" u="none" kumimoji="0" normalizeH="0">
+          <a:defRPr kumimoji="0" sz="1800" b="0" i="0" u="none" strike="noStrike" cap="none" spc="0" normalizeH="0" baseline="0">
             <a:ln>
               <a:noFill/>
             </a:ln>
@@ -7718,9 +7906,15 @@
         </a:lvl9pPr>
       </a:lstStyle>
       <a:style>
-        <a:lnRef idx="0"/>
-        <a:fillRef idx="0"/>
-        <a:effectRef idx="0"/>
+        <a:lnRef idx="0">
+          <a:scrgbClr r="0" g="0" b="0"/>
+        </a:lnRef>
+        <a:fillRef idx="0">
+          <a:scrgbClr r="0" g="0" b="0"/>
+        </a:fillRef>
+        <a:effectRef idx="0">
+          <a:scrgbClr r="0" g="0" b="0"/>
+        </a:effectRef>
         <a:fontRef idx="none"/>
       </a:style>
     </a:lnDef>
@@ -7734,7 +7928,7 @@
         <a:effectLst/>
         <a:sp3d/>
       </a:spPr>
-      <a:bodyPr rot="0" spcFirstLastPara="1" vertOverflow="overflow" horzOverflow="overflow" vert="horz" wrap="square" lIns="50800" tIns="50800" rIns="50800" bIns="50800" numCol="1" spcCol="38100" rtlCol="0" anchor="ctr" upright="0">
+      <a:bodyPr rot="0" spcFirstLastPara="1" vertOverflow="overflow" horzOverflow="overflow" vert="horz" wrap="square" lIns="50800" tIns="50800" rIns="50800" bIns="50800" numCol="1" spcCol="38100" rtlCol="0" anchor="ctr">
         <a:spAutoFit/>
       </a:bodyPr>
       <a:lstStyle>
@@ -7753,7 +7947,7 @@
           <a:buFontTx/>
           <a:buNone/>
           <a:tabLst/>
-          <a:defRPr b="0" baseline="0" cap="none" i="0" spc="0" strike="noStrike" sz="2000" u="none" kumimoji="0" normalizeH="0">
+          <a:defRPr kumimoji="0" sz="2000" b="0" i="0" u="none" strike="noStrike" cap="none" spc="0" normalizeH="0" baseline="0">
             <a:ln>
               <a:noFill/>
             </a:ln>
@@ -7783,7 +7977,7 @@
           <a:buFontTx/>
           <a:buNone/>
           <a:tabLst/>
-          <a:defRPr b="0" baseline="0" cap="none" i="0" spc="0" strike="noStrike" sz="1800" u="none" kumimoji="0" normalizeH="0">
+          <a:defRPr kumimoji="0" sz="1800" b="0" i="0" u="none" strike="noStrike" cap="none" spc="0" normalizeH="0" baseline="0">
             <a:ln>
               <a:noFill/>
             </a:ln>
@@ -7809,7 +8003,7 @@
           <a:buFontTx/>
           <a:buNone/>
           <a:tabLst/>
-          <a:defRPr b="0" baseline="0" cap="none" i="0" spc="0" strike="noStrike" sz="1800" u="none" kumimoji="0" normalizeH="0">
+          <a:defRPr kumimoji="0" sz="1800" b="0" i="0" u="none" strike="noStrike" cap="none" spc="0" normalizeH="0" baseline="0">
             <a:ln>
               <a:noFill/>
             </a:ln>
@@ -7835,7 +8029,7 @@
           <a:buFontTx/>
           <a:buNone/>
           <a:tabLst/>
-          <a:defRPr b="0" baseline="0" cap="none" i="0" spc="0" strike="noStrike" sz="1800" u="none" kumimoji="0" normalizeH="0">
+          <a:defRPr kumimoji="0" sz="1800" b="0" i="0" u="none" strike="noStrike" cap="none" spc="0" normalizeH="0" baseline="0">
             <a:ln>
               <a:noFill/>
             </a:ln>
@@ -7861,7 +8055,7 @@
           <a:buFontTx/>
           <a:buNone/>
           <a:tabLst/>
-          <a:defRPr b="0" baseline="0" cap="none" i="0" spc="0" strike="noStrike" sz="1800" u="none" kumimoji="0" normalizeH="0">
+          <a:defRPr kumimoji="0" sz="1800" b="0" i="0" u="none" strike="noStrike" cap="none" spc="0" normalizeH="0" baseline="0">
             <a:ln>
               <a:noFill/>
             </a:ln>
@@ -7887,7 +8081,7 @@
           <a:buFontTx/>
           <a:buNone/>
           <a:tabLst/>
-          <a:defRPr b="0" baseline="0" cap="none" i="0" spc="0" strike="noStrike" sz="1800" u="none" kumimoji="0" normalizeH="0">
+          <a:defRPr kumimoji="0" sz="1800" b="0" i="0" u="none" strike="noStrike" cap="none" spc="0" normalizeH="0" baseline="0">
             <a:ln>
               <a:noFill/>
             </a:ln>
@@ -7913,7 +8107,7 @@
           <a:buFontTx/>
           <a:buNone/>
           <a:tabLst/>
-          <a:defRPr b="0" baseline="0" cap="none" i="0" spc="0" strike="noStrike" sz="1800" u="none" kumimoji="0" normalizeH="0">
+          <a:defRPr kumimoji="0" sz="1800" b="0" i="0" u="none" strike="noStrike" cap="none" spc="0" normalizeH="0" baseline="0">
             <a:ln>
               <a:noFill/>
             </a:ln>
@@ -7939,7 +8133,7 @@
           <a:buFontTx/>
           <a:buNone/>
           <a:tabLst/>
-          <a:defRPr b="0" baseline="0" cap="none" i="0" spc="0" strike="noStrike" sz="1800" u="none" kumimoji="0" normalizeH="0">
+          <a:defRPr kumimoji="0" sz="1800" b="0" i="0" u="none" strike="noStrike" cap="none" spc="0" normalizeH="0" baseline="0">
             <a:ln>
               <a:noFill/>
             </a:ln>
@@ -7965,7 +8159,7 @@
           <a:buFontTx/>
           <a:buNone/>
           <a:tabLst/>
-          <a:defRPr b="0" baseline="0" cap="none" i="0" spc="0" strike="noStrike" sz="1800" u="none" kumimoji="0" normalizeH="0">
+          <a:defRPr kumimoji="0" sz="1800" b="0" i="0" u="none" strike="noStrike" cap="none" spc="0" normalizeH="0" baseline="0">
             <a:ln>
               <a:noFill/>
             </a:ln>
@@ -7991,7 +8185,7 @@
           <a:buFontTx/>
           <a:buNone/>
           <a:tabLst/>
-          <a:defRPr b="0" baseline="0" cap="none" i="0" spc="0" strike="noStrike" sz="1800" u="none" kumimoji="0" normalizeH="0">
+          <a:defRPr kumimoji="0" sz="1800" b="0" i="0" u="none" strike="noStrike" cap="none" spc="0" normalizeH="0" baseline="0">
             <a:ln>
               <a:noFill/>
             </a:ln>
@@ -8004,18 +8198,25 @@
         </a:lvl9pPr>
       </a:lstStyle>
       <a:style>
-        <a:lnRef idx="0"/>
-        <a:fillRef idx="0"/>
-        <a:effectRef idx="0"/>
+        <a:lnRef idx="0">
+          <a:scrgbClr r="0" g="0" b="0"/>
+        </a:lnRef>
+        <a:fillRef idx="0">
+          <a:scrgbClr r="0" g="0" b="0"/>
+        </a:fillRef>
+        <a:effectRef idx="0">
+          <a:scrgbClr r="0" g="0" b="0"/>
+        </a:effectRef>
         <a:fontRef idx="none"/>
       </a:style>
     </a:txDef>
   </a:objectDefaults>
+  <a:extraClrSchemeLst/>
 </a:theme>
 </file>
 
 <file path=ppt/theme/theme2.xml><?xml version="1.0" encoding="utf-8"?>
-<a:theme xmlns:a="http://schemas.openxmlformats.org/drawingml/2006/main" xmlns:r="http://schemas.openxmlformats.org/officeDocument/2006/relationships" name="New_Template7">
+<a:theme xmlns:a="http://schemas.openxmlformats.org/drawingml/2006/main" name="New_Template7">
   <a:themeElements>
     <a:clrScheme name="New_Template7">
       <a:dk1>
@@ -8214,7 +8415,7 @@
         <a:effectLst/>
         <a:sp3d/>
       </a:spPr>
-      <a:bodyPr rot="0" spcFirstLastPara="1" vertOverflow="overflow" horzOverflow="overflow" vert="horz" wrap="square" lIns="50800" tIns="50800" rIns="50800" bIns="50800" numCol="1" spcCol="38100" rtlCol="0" anchor="ctr" upright="0">
+      <a:bodyPr rot="0" spcFirstLastPara="1" vertOverflow="overflow" horzOverflow="overflow" vert="horz" wrap="square" lIns="50800" tIns="50800" rIns="50800" bIns="50800" numCol="1" spcCol="38100" rtlCol="0" anchor="ctr">
         <a:spAutoFit/>
       </a:bodyPr>
       <a:lstStyle>
@@ -8233,7 +8434,7 @@
           <a:buFontTx/>
           <a:buNone/>
           <a:tabLst/>
-          <a:defRPr b="0" baseline="0" cap="all" i="0" spc="0" strike="noStrike" sz="2800" u="none" kumimoji="0" normalizeH="0">
+          <a:defRPr kumimoji="0" sz="2800" b="0" i="0" u="none" strike="noStrike" cap="all" spc="0" normalizeH="0" baseline="0">
             <a:ln>
               <a:noFill/>
             </a:ln>
@@ -8263,7 +8464,7 @@
           <a:buFontTx/>
           <a:buNone/>
           <a:tabLst/>
-          <a:defRPr b="0" baseline="0" cap="none" i="0" spc="0" strike="noStrike" sz="1800" u="none" kumimoji="0" normalizeH="0">
+          <a:defRPr kumimoji="0" sz="1800" b="0" i="0" u="none" strike="noStrike" cap="none" spc="0" normalizeH="0" baseline="0">
             <a:ln>
               <a:noFill/>
             </a:ln>
@@ -8289,7 +8490,7 @@
           <a:buFontTx/>
           <a:buNone/>
           <a:tabLst/>
-          <a:defRPr b="0" baseline="0" cap="none" i="0" spc="0" strike="noStrike" sz="1800" u="none" kumimoji="0" normalizeH="0">
+          <a:defRPr kumimoji="0" sz="1800" b="0" i="0" u="none" strike="noStrike" cap="none" spc="0" normalizeH="0" baseline="0">
             <a:ln>
               <a:noFill/>
             </a:ln>
@@ -8315,7 +8516,7 @@
           <a:buFontTx/>
           <a:buNone/>
           <a:tabLst/>
-          <a:defRPr b="0" baseline="0" cap="none" i="0" spc="0" strike="noStrike" sz="1800" u="none" kumimoji="0" normalizeH="0">
+          <a:defRPr kumimoji="0" sz="1800" b="0" i="0" u="none" strike="noStrike" cap="none" spc="0" normalizeH="0" baseline="0">
             <a:ln>
               <a:noFill/>
             </a:ln>
@@ -8341,7 +8542,7 @@
           <a:buFontTx/>
           <a:buNone/>
           <a:tabLst/>
-          <a:defRPr b="0" baseline="0" cap="none" i="0" spc="0" strike="noStrike" sz="1800" u="none" kumimoji="0" normalizeH="0">
+          <a:defRPr kumimoji="0" sz="1800" b="0" i="0" u="none" strike="noStrike" cap="none" spc="0" normalizeH="0" baseline="0">
             <a:ln>
               <a:noFill/>
             </a:ln>
@@ -8367,7 +8568,7 @@
           <a:buFontTx/>
           <a:buNone/>
           <a:tabLst/>
-          <a:defRPr b="0" baseline="0" cap="none" i="0" spc="0" strike="noStrike" sz="1800" u="none" kumimoji="0" normalizeH="0">
+          <a:defRPr kumimoji="0" sz="1800" b="0" i="0" u="none" strike="noStrike" cap="none" spc="0" normalizeH="0" baseline="0">
             <a:ln>
               <a:noFill/>
             </a:ln>
@@ -8393,7 +8594,7 @@
           <a:buFontTx/>
           <a:buNone/>
           <a:tabLst/>
-          <a:defRPr b="0" baseline="0" cap="none" i="0" spc="0" strike="noStrike" sz="1800" u="none" kumimoji="0" normalizeH="0">
+          <a:defRPr kumimoji="0" sz="1800" b="0" i="0" u="none" strike="noStrike" cap="none" spc="0" normalizeH="0" baseline="0">
             <a:ln>
               <a:noFill/>
             </a:ln>
@@ -8419,7 +8620,7 @@
           <a:buFontTx/>
           <a:buNone/>
           <a:tabLst/>
-          <a:defRPr b="0" baseline="0" cap="none" i="0" spc="0" strike="noStrike" sz="1800" u="none" kumimoji="0" normalizeH="0">
+          <a:defRPr kumimoji="0" sz="1800" b="0" i="0" u="none" strike="noStrike" cap="none" spc="0" normalizeH="0" baseline="0">
             <a:ln>
               <a:noFill/>
             </a:ln>
@@ -8445,7 +8646,7 @@
           <a:buFontTx/>
           <a:buNone/>
           <a:tabLst/>
-          <a:defRPr b="0" baseline="0" cap="none" i="0" spc="0" strike="noStrike" sz="1800" u="none" kumimoji="0" normalizeH="0">
+          <a:defRPr kumimoji="0" sz="1800" b="0" i="0" u="none" strike="noStrike" cap="none" spc="0" normalizeH="0" baseline="0">
             <a:ln>
               <a:noFill/>
             </a:ln>
@@ -8471,7 +8672,7 @@
           <a:buFontTx/>
           <a:buNone/>
           <a:tabLst/>
-          <a:defRPr b="0" baseline="0" cap="none" i="0" spc="0" strike="noStrike" sz="1800" u="none" kumimoji="0" normalizeH="0">
+          <a:defRPr kumimoji="0" sz="1800" b="0" i="0" u="none" strike="noStrike" cap="none" spc="0" normalizeH="0" baseline="0">
             <a:ln>
               <a:noFill/>
             </a:ln>
@@ -8484,9 +8685,15 @@
         </a:lvl9pPr>
       </a:lstStyle>
       <a:style>
-        <a:lnRef idx="0"/>
-        <a:fillRef idx="0"/>
-        <a:effectRef idx="0"/>
+        <a:lnRef idx="0">
+          <a:scrgbClr r="0" g="0" b="0"/>
+        </a:lnRef>
+        <a:fillRef idx="0">
+          <a:scrgbClr r="0" g="0" b="0"/>
+        </a:fillRef>
+        <a:effectRef idx="0">
+          <a:scrgbClr r="0" g="0" b="0"/>
+        </a:effectRef>
         <a:fontRef idx="none"/>
       </a:style>
     </a:spDef>
@@ -8503,7 +8710,7 @@
         <a:effectLst/>
         <a:sp3d/>
       </a:spPr>
-      <a:bodyPr rot="0" spcFirstLastPara="1" vertOverflow="overflow" horzOverflow="overflow" vert="horz" wrap="square" lIns="91439" tIns="45719" rIns="91439" bIns="45719" numCol="1" spcCol="38100" rtlCol="0" anchor="t" upright="0">
+      <a:bodyPr rot="0" spcFirstLastPara="1" vertOverflow="overflow" horzOverflow="overflow" vert="horz" wrap="square" lIns="91439" tIns="45719" rIns="91439" bIns="45719" numCol="1" spcCol="38100" rtlCol="0" anchor="t">
         <a:noAutofit/>
       </a:bodyPr>
       <a:lstStyle>
@@ -8522,7 +8729,7 @@
           <a:buFontTx/>
           <a:buNone/>
           <a:tabLst/>
-          <a:defRPr b="0" baseline="0" cap="none" i="0" spc="0" strike="noStrike" sz="1800" u="none" kumimoji="0" normalizeH="0">
+          <a:defRPr kumimoji="0" sz="1800" b="0" i="0" u="none" strike="noStrike" cap="none" spc="0" normalizeH="0" baseline="0">
             <a:ln>
               <a:noFill/>
             </a:ln>
@@ -8548,7 +8755,7 @@
           <a:buFontTx/>
           <a:buNone/>
           <a:tabLst/>
-          <a:defRPr b="0" baseline="0" cap="none" i="0" spc="0" strike="noStrike" sz="1800" u="none" kumimoji="0" normalizeH="0">
+          <a:defRPr kumimoji="0" sz="1800" b="0" i="0" u="none" strike="noStrike" cap="none" spc="0" normalizeH="0" baseline="0">
             <a:ln>
               <a:noFill/>
             </a:ln>
@@ -8574,7 +8781,7 @@
           <a:buFontTx/>
           <a:buNone/>
           <a:tabLst/>
-          <a:defRPr b="0" baseline="0" cap="none" i="0" spc="0" strike="noStrike" sz="1800" u="none" kumimoji="0" normalizeH="0">
+          <a:defRPr kumimoji="0" sz="1800" b="0" i="0" u="none" strike="noStrike" cap="none" spc="0" normalizeH="0" baseline="0">
             <a:ln>
               <a:noFill/>
             </a:ln>
@@ -8600,7 +8807,7 @@
           <a:buFontTx/>
           <a:buNone/>
           <a:tabLst/>
-          <a:defRPr b="0" baseline="0" cap="none" i="0" spc="0" strike="noStrike" sz="1800" u="none" kumimoji="0" normalizeH="0">
+          <a:defRPr kumimoji="0" sz="1800" b="0" i="0" u="none" strike="noStrike" cap="none" spc="0" normalizeH="0" baseline="0">
             <a:ln>
               <a:noFill/>
             </a:ln>
@@ -8626,7 +8833,7 @@
           <a:buFontTx/>
           <a:buNone/>
           <a:tabLst/>
-          <a:defRPr b="0" baseline="0" cap="none" i="0" spc="0" strike="noStrike" sz="1800" u="none" kumimoji="0" normalizeH="0">
+          <a:defRPr kumimoji="0" sz="1800" b="0" i="0" u="none" strike="noStrike" cap="none" spc="0" normalizeH="0" baseline="0">
             <a:ln>
               <a:noFill/>
             </a:ln>
@@ -8652,7 +8859,7 @@
           <a:buFontTx/>
           <a:buNone/>
           <a:tabLst/>
-          <a:defRPr b="0" baseline="0" cap="none" i="0" spc="0" strike="noStrike" sz="1800" u="none" kumimoji="0" normalizeH="0">
+          <a:defRPr kumimoji="0" sz="1800" b="0" i="0" u="none" strike="noStrike" cap="none" spc="0" normalizeH="0" baseline="0">
             <a:ln>
               <a:noFill/>
             </a:ln>
@@ -8678,7 +8885,7 @@
           <a:buFontTx/>
           <a:buNone/>
           <a:tabLst/>
-          <a:defRPr b="0" baseline="0" cap="none" i="0" spc="0" strike="noStrike" sz="1800" u="none" kumimoji="0" normalizeH="0">
+          <a:defRPr kumimoji="0" sz="1800" b="0" i="0" u="none" strike="noStrike" cap="none" spc="0" normalizeH="0" baseline="0">
             <a:ln>
               <a:noFill/>
             </a:ln>
@@ -8704,7 +8911,7 @@
           <a:buFontTx/>
           <a:buNone/>
           <a:tabLst/>
-          <a:defRPr b="0" baseline="0" cap="none" i="0" spc="0" strike="noStrike" sz="1800" u="none" kumimoji="0" normalizeH="0">
+          <a:defRPr kumimoji="0" sz="1800" b="0" i="0" u="none" strike="noStrike" cap="none" spc="0" normalizeH="0" baseline="0">
             <a:ln>
               <a:noFill/>
             </a:ln>
@@ -8730,7 +8937,7 @@
           <a:buFontTx/>
           <a:buNone/>
           <a:tabLst/>
-          <a:defRPr b="0" baseline="0" cap="none" i="0" spc="0" strike="noStrike" sz="1800" u="none" kumimoji="0" normalizeH="0">
+          <a:defRPr kumimoji="0" sz="1800" b="0" i="0" u="none" strike="noStrike" cap="none" spc="0" normalizeH="0" baseline="0">
             <a:ln>
               <a:noFill/>
             </a:ln>
@@ -8756,7 +8963,7 @@
           <a:buFontTx/>
           <a:buNone/>
           <a:tabLst/>
-          <a:defRPr b="0" baseline="0" cap="none" i="0" spc="0" strike="noStrike" sz="1800" u="none" kumimoji="0" normalizeH="0">
+          <a:defRPr kumimoji="0" sz="1800" b="0" i="0" u="none" strike="noStrike" cap="none" spc="0" normalizeH="0" baseline="0">
             <a:ln>
               <a:noFill/>
             </a:ln>
@@ -8769,9 +8976,15 @@
         </a:lvl9pPr>
       </a:lstStyle>
       <a:style>
-        <a:lnRef idx="0"/>
-        <a:fillRef idx="0"/>
-        <a:effectRef idx="0"/>
+        <a:lnRef idx="0">
+          <a:scrgbClr r="0" g="0" b="0"/>
+        </a:lnRef>
+        <a:fillRef idx="0">
+          <a:scrgbClr r="0" g="0" b="0"/>
+        </a:fillRef>
+        <a:effectRef idx="0">
+          <a:scrgbClr r="0" g="0" b="0"/>
+        </a:effectRef>
         <a:fontRef idx="none"/>
       </a:style>
     </a:lnDef>
@@ -8785,7 +8998,7 @@
         <a:effectLst/>
         <a:sp3d/>
       </a:spPr>
-      <a:bodyPr rot="0" spcFirstLastPara="1" vertOverflow="overflow" horzOverflow="overflow" vert="horz" wrap="square" lIns="50800" tIns="50800" rIns="50800" bIns="50800" numCol="1" spcCol="38100" rtlCol="0" anchor="ctr" upright="0">
+      <a:bodyPr rot="0" spcFirstLastPara="1" vertOverflow="overflow" horzOverflow="overflow" vert="horz" wrap="square" lIns="50800" tIns="50800" rIns="50800" bIns="50800" numCol="1" spcCol="38100" rtlCol="0" anchor="ctr">
         <a:spAutoFit/>
       </a:bodyPr>
       <a:lstStyle>
@@ -8804,7 +9017,7 @@
           <a:buFontTx/>
           <a:buNone/>
           <a:tabLst/>
-          <a:defRPr b="0" baseline="0" cap="none" i="0" spc="0" strike="noStrike" sz="2000" u="none" kumimoji="0" normalizeH="0">
+          <a:defRPr kumimoji="0" sz="2000" b="0" i="0" u="none" strike="noStrike" cap="none" spc="0" normalizeH="0" baseline="0">
             <a:ln>
               <a:noFill/>
             </a:ln>
@@ -8834,7 +9047,7 @@
           <a:buFontTx/>
           <a:buNone/>
           <a:tabLst/>
-          <a:defRPr b="0" baseline="0" cap="none" i="0" spc="0" strike="noStrike" sz="1800" u="none" kumimoji="0" normalizeH="0">
+          <a:defRPr kumimoji="0" sz="1800" b="0" i="0" u="none" strike="noStrike" cap="none" spc="0" normalizeH="0" baseline="0">
             <a:ln>
               <a:noFill/>
             </a:ln>
@@ -8860,7 +9073,7 @@
           <a:buFontTx/>
           <a:buNone/>
           <a:tabLst/>
-          <a:defRPr b="0" baseline="0" cap="none" i="0" spc="0" strike="noStrike" sz="1800" u="none" kumimoji="0" normalizeH="0">
+          <a:defRPr kumimoji="0" sz="1800" b="0" i="0" u="none" strike="noStrike" cap="none" spc="0" normalizeH="0" baseline="0">
             <a:ln>
               <a:noFill/>
             </a:ln>
@@ -8886,7 +9099,7 @@
           <a:buFontTx/>
           <a:buNone/>
           <a:tabLst/>
-          <a:defRPr b="0" baseline="0" cap="none" i="0" spc="0" strike="noStrike" sz="1800" u="none" kumimoji="0" normalizeH="0">
+          <a:defRPr kumimoji="0" sz="1800" b="0" i="0" u="none" strike="noStrike" cap="none" spc="0" normalizeH="0" baseline="0">
             <a:ln>
               <a:noFill/>
             </a:ln>
@@ -8912,7 +9125,7 @@
           <a:buFontTx/>
           <a:buNone/>
           <a:tabLst/>
-          <a:defRPr b="0" baseline="0" cap="none" i="0" spc="0" strike="noStrike" sz="1800" u="none" kumimoji="0" normalizeH="0">
+          <a:defRPr kumimoji="0" sz="1800" b="0" i="0" u="none" strike="noStrike" cap="none" spc="0" normalizeH="0" baseline="0">
             <a:ln>
               <a:noFill/>
             </a:ln>
@@ -8938,7 +9151,7 @@
           <a:buFontTx/>
           <a:buNone/>
           <a:tabLst/>
-          <a:defRPr b="0" baseline="0" cap="none" i="0" spc="0" strike="noStrike" sz="1800" u="none" kumimoji="0" normalizeH="0">
+          <a:defRPr kumimoji="0" sz="1800" b="0" i="0" u="none" strike="noStrike" cap="none" spc="0" normalizeH="0" baseline="0">
             <a:ln>
               <a:noFill/>
             </a:ln>
@@ -8964,7 +9177,7 @@
           <a:buFontTx/>
           <a:buNone/>
           <a:tabLst/>
-          <a:defRPr b="0" baseline="0" cap="none" i="0" spc="0" strike="noStrike" sz="1800" u="none" kumimoji="0" normalizeH="0">
+          <a:defRPr kumimoji="0" sz="1800" b="0" i="0" u="none" strike="noStrike" cap="none" spc="0" normalizeH="0" baseline="0">
             <a:ln>
               <a:noFill/>
             </a:ln>
@@ -8990,7 +9203,7 @@
           <a:buFontTx/>
           <a:buNone/>
           <a:tabLst/>
-          <a:defRPr b="0" baseline="0" cap="none" i="0" spc="0" strike="noStrike" sz="1800" u="none" kumimoji="0" normalizeH="0">
+          <a:defRPr kumimoji="0" sz="1800" b="0" i="0" u="none" strike="noStrike" cap="none" spc="0" normalizeH="0" baseline="0">
             <a:ln>
               <a:noFill/>
             </a:ln>
@@ -9016,7 +9229,7 @@
           <a:buFontTx/>
           <a:buNone/>
           <a:tabLst/>
-          <a:defRPr b="0" baseline="0" cap="none" i="0" spc="0" strike="noStrike" sz="1800" u="none" kumimoji="0" normalizeH="0">
+          <a:defRPr kumimoji="0" sz="1800" b="0" i="0" u="none" strike="noStrike" cap="none" spc="0" normalizeH="0" baseline="0">
             <a:ln>
               <a:noFill/>
             </a:ln>
@@ -9042,7 +9255,7 @@
           <a:buFontTx/>
           <a:buNone/>
           <a:tabLst/>
-          <a:defRPr b="0" baseline="0" cap="none" i="0" spc="0" strike="noStrike" sz="1800" u="none" kumimoji="0" normalizeH="0">
+          <a:defRPr kumimoji="0" sz="1800" b="0" i="0" u="none" strike="noStrike" cap="none" spc="0" normalizeH="0" baseline="0">
             <a:ln>
               <a:noFill/>
             </a:ln>
@@ -9055,12 +9268,19 @@
         </a:lvl9pPr>
       </a:lstStyle>
       <a:style>
-        <a:lnRef idx="0"/>
-        <a:fillRef idx="0"/>
-        <a:effectRef idx="0"/>
+        <a:lnRef idx="0">
+          <a:scrgbClr r="0" g="0" b="0"/>
+        </a:lnRef>
+        <a:fillRef idx="0">
+          <a:scrgbClr r="0" g="0" b="0"/>
+        </a:fillRef>
+        <a:effectRef idx="0">
+          <a:scrgbClr r="0" g="0" b="0"/>
+        </a:effectRef>
         <a:fontRef idx="none"/>
       </a:style>
     </a:txDef>
   </a:objectDefaults>
+  <a:extraClrSchemeLst/>
 </a:theme>
 </file>